--- a/PowerPoint Slides/csc439_sprint2.pptx
+++ b/PowerPoint Slides/csc439_sprint2.pptx
@@ -10,9 +10,12 @@
     <p:sldId id="258" r:id="rId4"/>
     <p:sldId id="260" r:id="rId5"/>
     <p:sldId id="269" r:id="rId6"/>
-    <p:sldId id="262" r:id="rId7"/>
-    <p:sldId id="268" r:id="rId8"/>
-    <p:sldId id="263" r:id="rId9"/>
+    <p:sldId id="271" r:id="rId7"/>
+    <p:sldId id="272" r:id="rId8"/>
+    <p:sldId id="273" r:id="rId9"/>
+    <p:sldId id="262" r:id="rId10"/>
+    <p:sldId id="268" r:id="rId11"/>
+    <p:sldId id="263" r:id="rId12"/>
   </p:sldIdLst>
   <p:sldSz cx="12192000" cy="6858000"/>
   <p:notesSz cx="6858000" cy="9144000"/>
@@ -121,6 +124,9 @@
             <p14:sldId id="258"/>
             <p14:sldId id="260"/>
             <p14:sldId id="269"/>
+            <p14:sldId id="271"/>
+            <p14:sldId id="272"/>
+            <p14:sldId id="273"/>
             <p14:sldId id="262"/>
             <p14:sldId id="268"/>
             <p14:sldId id="263"/>
@@ -308,7 +314,7 @@
             <a:fld id="{87DE6118-2437-4B30-8E3C-4D2BE6020583}" type="datetimeFigureOut">
               <a:rPr lang="en-US" dirty="0"/>
               <a:pPr/>
-              <a:t>9/22/2019</a:t>
+              <a:t>9/23/19</a:t>
             </a:fld>
             <a:endParaRPr lang="en-US" dirty="0"/>
           </a:p>
@@ -634,7 +640,7 @@
           <a:p>
             <a:fld id="{87DE6118-2437-4B30-8E3C-4D2BE6020583}" type="datetimeFigureOut">
               <a:rPr lang="en-US" dirty="0"/>
-              <a:t>9/22/2019</a:t>
+              <a:t>9/23/19</a:t>
             </a:fld>
             <a:endParaRPr lang="en-US" dirty="0"/>
           </a:p>
@@ -809,7 +815,7 @@
           <a:p>
             <a:fld id="{87DE6118-2437-4B30-8E3C-4D2BE6020583}" type="datetimeFigureOut">
               <a:rPr lang="en-US" dirty="0"/>
-              <a:t>9/22/2019</a:t>
+              <a:t>9/23/19</a:t>
             </a:fld>
             <a:endParaRPr lang="en-US" dirty="0"/>
           </a:p>
@@ -974,7 +980,7 @@
           <a:p>
             <a:fld id="{87DE6118-2437-4B30-8E3C-4D2BE6020583}" type="datetimeFigureOut">
               <a:rPr lang="en-US" dirty="0"/>
-              <a:t>9/22/2019</a:t>
+              <a:t>9/23/19</a:t>
             </a:fld>
             <a:endParaRPr lang="en-US" dirty="0"/>
           </a:p>
@@ -1247,7 +1253,7 @@
             <a:fld id="{87DE6118-2437-4B30-8E3C-4D2BE6020583}" type="datetimeFigureOut">
               <a:rPr lang="en-US" dirty="0"/>
               <a:pPr/>
-              <a:t>9/22/2019</a:t>
+              <a:t>9/23/19</a:t>
             </a:fld>
             <a:endParaRPr lang="en-US" dirty="0"/>
           </a:p>
@@ -1637,7 +1643,7 @@
           <a:p>
             <a:fld id="{87DE6118-2437-4B30-8E3C-4D2BE6020583}" type="datetimeFigureOut">
               <a:rPr lang="en-US" dirty="0"/>
-              <a:t>9/22/2019</a:t>
+              <a:t>9/23/19</a:t>
             </a:fld>
             <a:endParaRPr lang="en-US" dirty="0"/>
           </a:p>
@@ -2109,7 +2115,7 @@
           <a:p>
             <a:fld id="{87DE6118-2437-4B30-8E3C-4D2BE6020583}" type="datetimeFigureOut">
               <a:rPr lang="en-US" dirty="0"/>
-              <a:t>9/22/2019</a:t>
+              <a:t>9/23/19</a:t>
             </a:fld>
             <a:endParaRPr lang="en-US" dirty="0"/>
           </a:p>
@@ -2222,7 +2228,7 @@
           <a:p>
             <a:fld id="{87DE6118-2437-4B30-8E3C-4D2BE6020583}" type="datetimeFigureOut">
               <a:rPr lang="en-US" dirty="0"/>
-              <a:t>9/22/2019</a:t>
+              <a:t>9/23/19</a:t>
             </a:fld>
             <a:endParaRPr lang="en-US" dirty="0"/>
           </a:p>
@@ -2312,7 +2318,7 @@
           <a:p>
             <a:fld id="{87DE6118-2437-4B30-8E3C-4D2BE6020583}" type="datetimeFigureOut">
               <a:rPr lang="en-US" dirty="0"/>
-              <a:t>9/22/2019</a:t>
+              <a:t>9/23/19</a:t>
             </a:fld>
             <a:endParaRPr lang="en-US" dirty="0"/>
           </a:p>
@@ -2654,7 +2660,7 @@
             <a:fld id="{87DE6118-2437-4B30-8E3C-4D2BE6020583}" type="datetimeFigureOut">
               <a:rPr lang="en-US" dirty="0"/>
               <a:pPr/>
-              <a:t>9/22/2019</a:t>
+              <a:t>9/23/19</a:t>
             </a:fld>
             <a:endParaRPr lang="en-US" dirty="0"/>
           </a:p>
@@ -3039,7 +3045,7 @@
             <a:fld id="{87DE6118-2437-4B30-8E3C-4D2BE6020583}" type="datetimeFigureOut">
               <a:rPr lang="en-US" dirty="0"/>
               <a:pPr/>
-              <a:t>9/22/2019</a:t>
+              <a:t>9/23/19</a:t>
             </a:fld>
             <a:endParaRPr lang="en-US" dirty="0"/>
           </a:p>
@@ -3314,7 +3320,7 @@
             <a:fld id="{87DE6118-2437-4B30-8E3C-4D2BE6020583}" type="datetimeFigureOut">
               <a:rPr lang="en-US" dirty="0"/>
               <a:pPr/>
-              <a:t>9/22/2019</a:t>
+              <a:t>9/23/19</a:t>
             </a:fld>
             <a:endParaRPr lang="en-US" dirty="0"/>
           </a:p>
@@ -3884,6 +3890,199 @@
 </p:sld>
 </file>
 
+<file path=ppt/slides/slide10.xml><?xml version="1.0" encoding="utf-8"?>
+<p:sld xmlns:a="http://schemas.openxmlformats.org/drawingml/2006/main" xmlns:r="http://schemas.openxmlformats.org/officeDocument/2006/relationships" xmlns:p="http://schemas.openxmlformats.org/presentationml/2006/main">
+  <p:cSld>
+    <p:spTree>
+      <p:nvGrpSpPr>
+        <p:cNvPr id="1" name=""/>
+        <p:cNvGrpSpPr/>
+        <p:nvPr/>
+      </p:nvGrpSpPr>
+      <p:grpSpPr>
+        <a:xfrm>
+          <a:off x="0" y="0"/>
+          <a:ext cx="0" cy="0"/>
+          <a:chOff x="0" y="0"/>
+          <a:chExt cx="0" cy="0"/>
+        </a:xfrm>
+      </p:grpSpPr>
+      <p:sp>
+        <p:nvSpPr>
+          <p:cNvPr id="2" name="Title 1">
+            <a:extLst>
+              <a:ext uri="{FF2B5EF4-FFF2-40B4-BE49-F238E27FC236}">
+                <a16:creationId xmlns:a16="http://schemas.microsoft.com/office/drawing/2014/main" xmlns="" id="{7313C04E-048C-4A6E-AE61-1AD4F0BCC42F}"/>
+              </a:ext>
+            </a:extLst>
+          </p:cNvPr>
+          <p:cNvSpPr>
+            <a:spLocks noGrp="1"/>
+          </p:cNvSpPr>
+          <p:nvPr>
+            <p:ph type="title"/>
+          </p:nvPr>
+        </p:nvSpPr>
+        <p:spPr/>
+        <p:txBody>
+          <a:bodyPr/>
+          <a:lstStyle/>
+          <a:p>
+            <a:r>
+              <a:rPr lang="en-US" dirty="0"/>
+              <a:t>Build Manager/Developer: Chris Wells</a:t>
+            </a:r>
+          </a:p>
+        </p:txBody>
+      </p:sp>
+      <p:sp>
+        <p:nvSpPr>
+          <p:cNvPr id="3" name="Content Placeholder 2">
+            <a:extLst>
+              <a:ext uri="{FF2B5EF4-FFF2-40B4-BE49-F238E27FC236}">
+                <a16:creationId xmlns:a16="http://schemas.microsoft.com/office/drawing/2014/main" xmlns="" id="{1CC7617A-9BB1-41CF-A4CE-02FD091C153F}"/>
+              </a:ext>
+            </a:extLst>
+          </p:cNvPr>
+          <p:cNvSpPr>
+            <a:spLocks noGrp="1"/>
+          </p:cNvSpPr>
+          <p:nvPr>
+            <p:ph idx="1"/>
+          </p:nvPr>
+        </p:nvSpPr>
+        <p:spPr/>
+        <p:txBody>
+          <a:bodyPr/>
+          <a:lstStyle/>
+          <a:p>
+            <a:pPr marL="0" indent="0">
+              <a:buNone/>
+            </a:pPr>
+            <a:r>
+              <a:rPr lang="en-US" dirty="0"/>
+              <a:t>Task:</a:t>
+            </a:r>
+          </a:p>
+          <a:p>
+            <a:pPr marL="0" indent="0">
+              <a:buNone/>
+            </a:pPr>
+            <a:r>
+              <a:rPr lang="en-US" dirty="0"/>
+              <a:t>1. Make the search bar “smarter” and not case-sensitive</a:t>
+            </a:r>
+          </a:p>
+        </p:txBody>
+      </p:sp>
+    </p:spTree>
+    <p:extLst>
+      <p:ext uri="{BB962C8B-B14F-4D97-AF65-F5344CB8AC3E}">
+        <p14:creationId xmlns:p14="http://schemas.microsoft.com/office/powerpoint/2010/main" val="1478532671"/>
+      </p:ext>
+    </p:extLst>
+  </p:cSld>
+  <p:clrMapOvr>
+    <a:masterClrMapping/>
+  </p:clrMapOvr>
+</p:sld>
+</file>
+
+<file path=ppt/slides/slide11.xml><?xml version="1.0" encoding="utf-8"?>
+<p:sld xmlns:a="http://schemas.openxmlformats.org/drawingml/2006/main" xmlns:r="http://schemas.openxmlformats.org/officeDocument/2006/relationships" xmlns:p="http://schemas.openxmlformats.org/presentationml/2006/main">
+  <p:cSld>
+    <p:spTree>
+      <p:nvGrpSpPr>
+        <p:cNvPr id="1" name=""/>
+        <p:cNvGrpSpPr/>
+        <p:nvPr/>
+      </p:nvGrpSpPr>
+      <p:grpSpPr>
+        <a:xfrm>
+          <a:off x="0" y="0"/>
+          <a:ext cx="0" cy="0"/>
+          <a:chOff x="0" y="0"/>
+          <a:chExt cx="0" cy="0"/>
+        </a:xfrm>
+      </p:grpSpPr>
+      <p:sp>
+        <p:nvSpPr>
+          <p:cNvPr id="2" name="Title 1">
+            <a:extLst>
+              <a:ext uri="{FF2B5EF4-FFF2-40B4-BE49-F238E27FC236}">
+                <a16:creationId xmlns:a16="http://schemas.microsoft.com/office/drawing/2014/main" xmlns="" id="{31CB56F1-6918-DB4B-A9C3-59592D7804C5}"/>
+              </a:ext>
+            </a:extLst>
+          </p:cNvPr>
+          <p:cNvSpPr>
+            <a:spLocks noGrp="1"/>
+          </p:cNvSpPr>
+          <p:nvPr>
+            <p:ph type="title"/>
+          </p:nvPr>
+        </p:nvSpPr>
+        <p:spPr/>
+        <p:txBody>
+          <a:bodyPr/>
+          <a:lstStyle/>
+          <a:p>
+            <a:r>
+              <a:rPr lang="en-US" dirty="0"/>
+              <a:t>Tester/Developer: </a:t>
+            </a:r>
+            <a:br>
+              <a:rPr lang="en-US" dirty="0"/>
+            </a:br>
+            <a:r>
+              <a:rPr lang="en-US" dirty="0"/>
+              <a:t>Josh McGuire </a:t>
+            </a:r>
+          </a:p>
+        </p:txBody>
+      </p:sp>
+      <p:pic>
+        <p:nvPicPr>
+          <p:cNvPr id="5" name="Picture 4">
+            <a:extLst>
+              <a:ext uri="{FF2B5EF4-FFF2-40B4-BE49-F238E27FC236}">
+                <a16:creationId xmlns:a16="http://schemas.microsoft.com/office/drawing/2014/main" xmlns="" id="{C3011F5F-E239-F64C-88CD-193484631C88}"/>
+              </a:ext>
+            </a:extLst>
+          </p:cNvPr>
+          <p:cNvPicPr>
+            <a:picLocks noChangeAspect="1"/>
+          </p:cNvPicPr>
+          <p:nvPr/>
+        </p:nvPicPr>
+        <p:blipFill>
+          <a:blip r:embed="rId2"/>
+          <a:stretch>
+            <a:fillRect/>
+          </a:stretch>
+        </p:blipFill>
+        <p:spPr>
+          <a:xfrm>
+            <a:off x="2140780" y="1996778"/>
+            <a:ext cx="7910440" cy="4527589"/>
+          </a:xfrm>
+          <a:prstGeom prst="rect">
+            <a:avLst/>
+          </a:prstGeom>
+        </p:spPr>
+      </p:pic>
+    </p:spTree>
+    <p:extLst>
+      <p:ext uri="{BB962C8B-B14F-4D97-AF65-F5344CB8AC3E}">
+        <p14:creationId xmlns:p14="http://schemas.microsoft.com/office/powerpoint/2010/main" val="2879849410"/>
+      </p:ext>
+    </p:extLst>
+  </p:cSld>
+  <p:clrMapOvr>
+    <a:masterClrMapping/>
+  </p:clrMapOvr>
+</p:sld>
+</file>
+
 <file path=ppt/slides/slide2.xml><?xml version="1.0" encoding="utf-8"?>
 <p:sld xmlns:a="http://schemas.openxmlformats.org/drawingml/2006/main" xmlns:r="http://schemas.openxmlformats.org/officeDocument/2006/relationships" xmlns:p="http://schemas.openxmlformats.org/presentationml/2006/main">
   <p:cSld>
@@ -3906,7 +4105,7 @@
           <p:cNvPr id="2" name="Title 1">
             <a:extLst>
               <a:ext uri="{FF2B5EF4-FFF2-40B4-BE49-F238E27FC236}">
-                <a16:creationId xmlns:a16="http://schemas.microsoft.com/office/drawing/2014/main" id="{D5B8DBA6-5930-4F64-9E50-6D88BF5212E6}"/>
+                <a16:creationId xmlns:a16="http://schemas.microsoft.com/office/drawing/2014/main" xmlns="" id="{D5B8DBA6-5930-4F64-9E50-6D88BF5212E6}"/>
               </a:ext>
             </a:extLst>
           </p:cNvPr>
@@ -3934,7 +4133,7 @@
           <p:cNvPr id="5" name="Content Placeholder 4">
             <a:extLst>
               <a:ext uri="{FF2B5EF4-FFF2-40B4-BE49-F238E27FC236}">
-                <a16:creationId xmlns:a16="http://schemas.microsoft.com/office/drawing/2014/main" id="{35CD1F56-2670-4450-BAFB-420167374AAC}"/>
+                <a16:creationId xmlns:a16="http://schemas.microsoft.com/office/drawing/2014/main" xmlns="" id="{35CD1F56-2670-4450-BAFB-420167374AAC}"/>
               </a:ext>
             </a:extLst>
           </p:cNvPr>
@@ -4001,7 +4200,7 @@
           <p:cNvPr id="2" name="Title 1">
             <a:extLst>
               <a:ext uri="{FF2B5EF4-FFF2-40B4-BE49-F238E27FC236}">
-                <a16:creationId xmlns:a16="http://schemas.microsoft.com/office/drawing/2014/main" id="{842CF84C-56E1-8440-8E13-CDC64C67D5A1}"/>
+                <a16:creationId xmlns:a16="http://schemas.microsoft.com/office/drawing/2014/main" xmlns="" id="{842CF84C-56E1-8440-8E13-CDC64C67D5A1}"/>
               </a:ext>
             </a:extLst>
           </p:cNvPr>
@@ -4036,7 +4235,7 @@
           <p:cNvPr id="8" name="TextBox 7">
             <a:extLst>
               <a:ext uri="{FF2B5EF4-FFF2-40B4-BE49-F238E27FC236}">
-                <a16:creationId xmlns:a16="http://schemas.microsoft.com/office/drawing/2014/main" id="{717F3DD7-F49F-584F-BB46-8F0B3B273B0A}"/>
+                <a16:creationId xmlns:a16="http://schemas.microsoft.com/office/drawing/2014/main" xmlns="" id="{717F3DD7-F49F-584F-BB46-8F0B3B273B0A}"/>
               </a:ext>
             </a:extLst>
           </p:cNvPr>
@@ -4155,7 +4354,7 @@
           <p:cNvPr id="11" name="Picture 10">
             <a:extLst>
               <a:ext uri="{FF2B5EF4-FFF2-40B4-BE49-F238E27FC236}">
-                <a16:creationId xmlns:a16="http://schemas.microsoft.com/office/drawing/2014/main" id="{5EB82535-4F3F-41B8-A240-7CCDFB18619E}"/>
+                <a16:creationId xmlns:a16="http://schemas.microsoft.com/office/drawing/2014/main" xmlns="" id="{5EB82535-4F3F-41B8-A240-7CCDFB18619E}"/>
               </a:ext>
             </a:extLst>
           </p:cNvPr>
@@ -4185,7 +4384,7 @@
           <p:cNvPr id="13" name="Picture 12">
             <a:extLst>
               <a:ext uri="{FF2B5EF4-FFF2-40B4-BE49-F238E27FC236}">
-                <a16:creationId xmlns:a16="http://schemas.microsoft.com/office/drawing/2014/main" id="{D1B8193F-A984-4702-9CEF-50D92E123AE6}"/>
+                <a16:creationId xmlns:a16="http://schemas.microsoft.com/office/drawing/2014/main" xmlns="" id="{D1B8193F-A984-4702-9CEF-50D92E123AE6}"/>
               </a:ext>
             </a:extLst>
           </p:cNvPr>
@@ -4245,7 +4444,7 @@
           <p:cNvPr id="2" name="Title 1">
             <a:extLst>
               <a:ext uri="{FF2B5EF4-FFF2-40B4-BE49-F238E27FC236}">
-                <a16:creationId xmlns:a16="http://schemas.microsoft.com/office/drawing/2014/main" id="{31CB56F1-6918-DB4B-A9C3-59592D7804C5}"/>
+                <a16:creationId xmlns:a16="http://schemas.microsoft.com/office/drawing/2014/main" xmlns="" id="{31CB56F1-6918-DB4B-A9C3-59592D7804C5}"/>
               </a:ext>
             </a:extLst>
           </p:cNvPr>
@@ -4278,7 +4477,7 @@
           <p:cNvPr id="9" name="TextBox 8">
             <a:extLst>
               <a:ext uri="{FF2B5EF4-FFF2-40B4-BE49-F238E27FC236}">
-                <a16:creationId xmlns:a16="http://schemas.microsoft.com/office/drawing/2014/main" id="{6DAD32DD-6273-4819-BAE6-A9943A4064A3}"/>
+                <a16:creationId xmlns:a16="http://schemas.microsoft.com/office/drawing/2014/main" xmlns="" id="{6DAD32DD-6273-4819-BAE6-A9943A4064A3}"/>
               </a:ext>
             </a:extLst>
           </p:cNvPr>
@@ -4313,7 +4512,7 @@
           <p:cNvPr id="14" name="Picture 13">
             <a:extLst>
               <a:ext uri="{FF2B5EF4-FFF2-40B4-BE49-F238E27FC236}">
-                <a16:creationId xmlns:a16="http://schemas.microsoft.com/office/drawing/2014/main" id="{F791FE43-A698-4413-8713-046ADB8C79FB}"/>
+                <a16:creationId xmlns:a16="http://schemas.microsoft.com/office/drawing/2014/main" xmlns="" id="{F791FE43-A698-4413-8713-046ADB8C79FB}"/>
               </a:ext>
             </a:extLst>
           </p:cNvPr>
@@ -4343,7 +4542,7 @@
           <p:cNvPr id="15" name="Picture 14">
             <a:extLst>
               <a:ext uri="{FF2B5EF4-FFF2-40B4-BE49-F238E27FC236}">
-                <a16:creationId xmlns:a16="http://schemas.microsoft.com/office/drawing/2014/main" id="{22942BBA-5F71-4422-A8B6-6517C7760436}"/>
+                <a16:creationId xmlns:a16="http://schemas.microsoft.com/office/drawing/2014/main" xmlns="" id="{22942BBA-5F71-4422-A8B6-6517C7760436}"/>
               </a:ext>
             </a:extLst>
           </p:cNvPr>
@@ -4505,14 +4704,6 @@
 <file path=ppt/slides/slide5.xml><?xml version="1.0" encoding="utf-8"?>
 <p:sld xmlns:a="http://schemas.openxmlformats.org/drawingml/2006/main" xmlns:r="http://schemas.openxmlformats.org/officeDocument/2006/relationships" xmlns:p="http://schemas.openxmlformats.org/presentationml/2006/main">
   <p:cSld>
-    <p:bg>
-      <p:bgPr>
-        <a:solidFill>
-          <a:schemeClr val="bg2"/>
-        </a:solidFill>
-        <a:effectLst/>
-      </p:bgPr>
-    </p:bg>
     <p:spTree>
       <p:nvGrpSpPr>
         <p:cNvPr id="1" name=""/>
@@ -4529,13 +4720,7 @@
       </p:grpSpPr>
       <p:sp>
         <p:nvSpPr>
-          <p:cNvPr id="2" name="Title 1">
-            <a:extLst>
-              <a:ext uri="{FF2B5EF4-FFF2-40B4-BE49-F238E27FC236}">
-                <a16:creationId xmlns:a16="http://schemas.microsoft.com/office/drawing/2014/main" id="{11F9B404-A523-425C-AECD-2F164A777CFE}"/>
-              </a:ext>
-            </a:extLst>
-          </p:cNvPr>
+          <p:cNvPr id="2" name="Title 1"/>
           <p:cNvSpPr>
             <a:spLocks noGrp="1"/>
           </p:cNvSpPr>
@@ -4543,96 +4728,25 @@
             <p:ph type="title"/>
           </p:nvPr>
         </p:nvSpPr>
-        <p:spPr>
-          <a:xfrm>
-            <a:off x="1023562" y="685800"/>
-            <a:ext cx="10493524" cy="1485900"/>
-          </a:xfrm>
-        </p:spPr>
-        <p:txBody>
-          <a:bodyPr>
-            <a:normAutofit/>
-          </a:bodyPr>
+        <p:spPr/>
+        <p:txBody>
+          <a:bodyPr/>
           <a:lstStyle/>
           <a:p>
             <a:r>
-              <a:rPr lang="en-US" dirty="0"/>
-              <a:t>Tester/Developer: </a:t>
-            </a:r>
-            <a:br>
-              <a:rPr lang="en-US" dirty="0"/>
-            </a:br>
-            <a:r>
-              <a:rPr lang="en-US" dirty="0"/>
-              <a:t>James Craig</a:t>
-            </a:r>
-          </a:p>
-        </p:txBody>
-      </p:sp>
-      <p:sp>
-        <p:nvSpPr>
-          <p:cNvPr id="10" name="Rectangle 9">
-            <a:extLst>
-              <a:ext uri="{FF2B5EF4-FFF2-40B4-BE49-F238E27FC236}">
-                <a16:creationId xmlns:a16="http://schemas.microsoft.com/office/drawing/2014/main" id="{B9F89C22-0475-4427-B7C8-0269AD40E3EC}"/>
-              </a:ext>
-              <a:ext uri="{C183D7F6-B498-43B3-948B-1728B52AA6E4}">
-                <adec:decorative xmlns:adec="http://schemas.microsoft.com/office/drawing/2017/decorative" val="1"/>
-              </a:ext>
-            </a:extLst>
-          </p:cNvPr>
-          <p:cNvSpPr>
-            <a:spLocks noGrp="1" noRot="1" noChangeAspect="1" noMove="1" noResize="1" noEditPoints="1" noAdjustHandles="1" noChangeArrowheads="1" noChangeShapeType="1" noTextEdit="1"/>
-          </p:cNvSpPr>
-          <p:nvPr>
-            <p:extLst>
-              <p:ext uri="{386F3935-93C4-4BCD-93E2-E3B085C9AB24}">
-                <p16:designElem xmlns:p16="http://schemas.microsoft.com/office/powerpoint/2015/main" val="1"/>
-              </p:ext>
-            </p:extLst>
-          </p:nvPr>
-        </p:nvSpPr>
-        <p:spPr>
-          <a:xfrm>
-            <a:off x="478095" y="376"/>
-            <a:ext cx="228600" cy="6858000"/>
-          </a:xfrm>
-          <a:prstGeom prst="rect">
-            <a:avLst/>
-          </a:prstGeom>
-          <a:solidFill>
-            <a:schemeClr val="tx2"/>
-          </a:solidFill>
-          <a:ln>
-            <a:noFill/>
-          </a:ln>
-        </p:spPr>
-        <p:style>
-          <a:lnRef idx="2">
-            <a:schemeClr val="accent1">
-              <a:shade val="50000"/>
-            </a:schemeClr>
-          </a:lnRef>
-          <a:fillRef idx="1">
-            <a:schemeClr val="accent1"/>
-          </a:fillRef>
-          <a:effectRef idx="0">
-            <a:schemeClr val="accent1"/>
-          </a:effectRef>
-          <a:fontRef idx="minor">
-            <a:schemeClr val="lt1"/>
-          </a:fontRef>
-        </p:style>
-      </p:sp>
-      <p:sp>
-        <p:nvSpPr>
-          <p:cNvPr id="3" name="Content Placeholder 2">
-            <a:extLst>
-              <a:ext uri="{FF2B5EF4-FFF2-40B4-BE49-F238E27FC236}">
-                <a16:creationId xmlns:a16="http://schemas.microsoft.com/office/drawing/2014/main" id="{1DA0CA2E-10E5-423D-B647-35055198ABFE}"/>
-              </a:ext>
-            </a:extLst>
-          </p:cNvPr>
+              <a:rPr lang="en-US" dirty="0" smtClean="0"/>
+              <a:t>Tester/Developer: James </a:t>
+            </a:r>
+            <a:r>
+              <a:rPr lang="en-US" dirty="0"/>
+              <a:t>Craig</a:t>
+            </a:r>
+          </a:p>
+        </p:txBody>
+      </p:sp>
+      <p:sp>
+        <p:nvSpPr>
+          <p:cNvPr id="3" name="Content Placeholder 2"/>
           <p:cNvSpPr>
             <a:spLocks noGrp="1"/>
           </p:cNvSpPr>
@@ -4640,77 +4754,31 @@
             <p:ph idx="1"/>
           </p:nvPr>
         </p:nvSpPr>
-        <p:spPr>
-          <a:xfrm>
-            <a:off x="1023562" y="2286000"/>
-            <a:ext cx="5072437" cy="3581400"/>
-          </a:xfrm>
-        </p:spPr>
-        <p:txBody>
-          <a:bodyPr>
-            <a:normAutofit/>
-          </a:bodyPr>
+        <p:spPr/>
+        <p:txBody>
+          <a:bodyPr/>
           <a:lstStyle/>
           <a:p>
-            <a:pPr marL="0" indent="0">
-              <a:buNone/>
-            </a:pPr>
-            <a:r>
-              <a:rPr lang="en-US" sz="1800"/>
-              <a:t>Tasks:</a:t>
-            </a:r>
-          </a:p>
-          <a:p>
-            <a:pPr marL="0" indent="0">
-              <a:buNone/>
-            </a:pPr>
-            <a:r>
-              <a:rPr lang="en-US" sz="1800"/>
-              <a:t>1. Improved layout on book inventory page</a:t>
-            </a:r>
-          </a:p>
-          <a:p>
-            <a:pPr marL="0" indent="0">
-              <a:buNone/>
-            </a:pPr>
-            <a:endParaRPr lang="en-US" sz="1800"/>
-          </a:p>
-        </p:txBody>
-      </p:sp>
-      <p:pic>
-        <p:nvPicPr>
-          <p:cNvPr id="5" name="Picture 4">
-            <a:extLst>
-              <a:ext uri="{FF2B5EF4-FFF2-40B4-BE49-F238E27FC236}">
-                <a16:creationId xmlns:a16="http://schemas.microsoft.com/office/drawing/2014/main" id="{42F48660-CE4A-4491-BC7C-5C57DE589F26}"/>
-              </a:ext>
-            </a:extLst>
-          </p:cNvPr>
-          <p:cNvPicPr>
-            <a:picLocks noChangeAspect="1"/>
-          </p:cNvPicPr>
-          <p:nvPr/>
-        </p:nvPicPr>
-        <p:blipFill>
-          <a:blip r:embed="rId2"/>
-          <a:stretch>
-            <a:fillRect/>
-          </a:stretch>
-        </p:blipFill>
-        <p:spPr>
-          <a:xfrm>
-            <a:off x="5489338" y="376"/>
-            <a:ext cx="6702661" cy="6858000"/>
-          </a:xfrm>
-          <a:prstGeom prst="rect">
-            <a:avLst/>
-          </a:prstGeom>
-        </p:spPr>
-      </p:pic>
+            <a:r>
+              <a:rPr lang="en-US" sz="3200" dirty="0"/>
+              <a:t>The goal for this sprint was to improve the appearance of our book listings</a:t>
+            </a:r>
+          </a:p>
+          <a:p>
+            <a:r>
+              <a:rPr lang="en-US" sz="3200" dirty="0"/>
+              <a:t>We wanted a responsive Bootstrap table for future addition of paginations</a:t>
+            </a:r>
+          </a:p>
+          <a:p>
+            <a:endParaRPr lang="en-US" dirty="0"/>
+          </a:p>
+        </p:txBody>
+      </p:sp>
     </p:spTree>
     <p:extLst>
       <p:ext uri="{BB962C8B-B14F-4D97-AF65-F5344CB8AC3E}">
-        <p14:creationId xmlns:p14="http://schemas.microsoft.com/office/powerpoint/2010/main" val="3460979363"/>
+        <p14:creationId xmlns:p14="http://schemas.microsoft.com/office/powerpoint/2010/main" val="417135918"/>
       </p:ext>
     </p:extLst>
   </p:cSld>
@@ -4739,13 +4807,7 @@
       </p:grpSpPr>
       <p:sp>
         <p:nvSpPr>
-          <p:cNvPr id="2" name="Title 1">
-            <a:extLst>
-              <a:ext uri="{FF2B5EF4-FFF2-40B4-BE49-F238E27FC236}">
-                <a16:creationId xmlns:a16="http://schemas.microsoft.com/office/drawing/2014/main" id="{31CB56F1-6918-DB4B-A9C3-59592D7804C5}"/>
-              </a:ext>
-            </a:extLst>
-          </p:cNvPr>
+          <p:cNvPr id="2" name="Title 1"/>
           <p:cNvSpPr>
             <a:spLocks noGrp="1"/>
           </p:cNvSpPr>
@@ -4753,67 +4815,1061 @@
             <p:ph type="title"/>
           </p:nvPr>
         </p:nvSpPr>
-        <p:spPr/>
+        <p:spPr>
+          <a:xfrm>
+            <a:off x="1371600" y="0"/>
+            <a:ext cx="9601200" cy="829733"/>
+          </a:xfrm>
+        </p:spPr>
         <p:txBody>
           <a:bodyPr/>
           <a:lstStyle/>
           <a:p>
             <a:r>
-              <a:rPr lang="en-US" dirty="0"/>
-              <a:t>SCM Manager/Developer: Reed </a:t>
-            </a:r>
-            <a:r>
-              <a:rPr lang="en-US" dirty="0" err="1"/>
-              <a:t>Inderwiesche</a:t>
-            </a:r>
-            <a:endParaRPr lang="en-US" dirty="0"/>
-          </a:p>
-        </p:txBody>
-      </p:sp>
-      <p:sp>
-        <p:nvSpPr>
-          <p:cNvPr id="4" name="Content Placeholder 3">
-            <a:extLst>
-              <a:ext uri="{FF2B5EF4-FFF2-40B4-BE49-F238E27FC236}">
-                <a16:creationId xmlns:a16="http://schemas.microsoft.com/office/drawing/2014/main" id="{451F011C-BF31-499C-B4A0-ECC93BBF2ED6}"/>
-              </a:ext>
-            </a:extLst>
-          </p:cNvPr>
-          <p:cNvSpPr>
-            <a:spLocks noGrp="1"/>
-          </p:cNvSpPr>
-          <p:nvPr>
-            <p:ph idx="1"/>
-          </p:nvPr>
-        </p:nvSpPr>
-        <p:spPr/>
-        <p:txBody>
-          <a:bodyPr/>
+              <a:rPr lang="en-US"/>
+              <a:t>Modification of the Book Inventory Page</a:t>
+            </a:r>
+          </a:p>
+        </p:txBody>
+      </p:sp>
+      <p:sp>
+        <p:nvSpPr>
+          <p:cNvPr id="3" name="Content Placeholder 2"/>
+          <p:cNvSpPr>
+            <a:spLocks noGrp="1"/>
+          </p:cNvSpPr>
+          <p:nvPr>
+            <p:ph sz="half" idx="1"/>
+          </p:nvPr>
+        </p:nvSpPr>
+        <p:spPr>
+          <a:xfrm>
+            <a:off x="1371600" y="829733"/>
+            <a:ext cx="4447786" cy="5037667"/>
+          </a:xfrm>
+        </p:spPr>
+        <p:txBody>
+          <a:bodyPr>
+            <a:normAutofit fontScale="25000" lnSpcReduction="20000"/>
+          </a:bodyPr>
           <a:lstStyle/>
           <a:p>
-            <a:pPr marL="0" indent="0">
-              <a:buNone/>
-            </a:pPr>
-            <a:r>
-              <a:rPr lang="en-US" dirty="0"/>
-              <a:t>Tasks:</a:t>
-            </a:r>
-          </a:p>
-          <a:p>
-            <a:pPr marL="457200" indent="-457200">
-              <a:buAutoNum type="arabicPeriod"/>
-            </a:pPr>
-            <a:r>
-              <a:rPr lang="en-US" dirty="0"/>
-              <a:t>Updated the books table in the database.</a:t>
-            </a:r>
+            <a:r>
+              <a:rPr lang="en-US" sz="7200" dirty="0"/>
+              <a:t>Original </a:t>
+            </a:r>
+            <a:r>
+              <a:rPr lang="en-US" sz="7200" dirty="0" smtClean="0"/>
+              <a:t>CSS</a:t>
+            </a:r>
+          </a:p>
+          <a:p>
+            <a:pPr marL="0" indent="0">
+              <a:lnSpc>
+                <a:spcPct val="120000"/>
+              </a:lnSpc>
+              <a:spcBef>
+                <a:spcPts val="0"/>
+              </a:spcBef>
+              <a:buNone/>
+            </a:pPr>
+            <a:r>
+              <a:rPr lang="en-US" sz="7200" dirty="0"/>
+              <a:t>header{</a:t>
+            </a:r>
+          </a:p>
+          <a:p>
+            <a:pPr marL="0" indent="0">
+              <a:lnSpc>
+                <a:spcPct val="120000"/>
+              </a:lnSpc>
+              <a:spcBef>
+                <a:spcPts val="0"/>
+              </a:spcBef>
+              <a:buNone/>
+            </a:pPr>
+            <a:r>
+              <a:rPr lang="en-US" sz="7200" dirty="0"/>
+              <a:t>	padding-left: 5px;</a:t>
+            </a:r>
+          </a:p>
+          <a:p>
+            <a:pPr marL="0" indent="0">
+              <a:lnSpc>
+                <a:spcPct val="120000"/>
+              </a:lnSpc>
+              <a:spcBef>
+                <a:spcPts val="0"/>
+              </a:spcBef>
+              <a:buNone/>
+            </a:pPr>
+            <a:r>
+              <a:rPr lang="en-US" sz="7200" dirty="0"/>
+              <a:t>      	background: </a:t>
+            </a:r>
+            <a:r>
+              <a:rPr lang="en-US" sz="7200" dirty="0" err="1"/>
+              <a:t>var</a:t>
+            </a:r>
+            <a:r>
+              <a:rPr lang="en-US" sz="7200" dirty="0"/>
+              <a:t>(--</a:t>
+            </a:r>
+            <a:r>
+              <a:rPr lang="en-US" sz="7200" dirty="0" err="1"/>
+              <a:t>bggradient</a:t>
+            </a:r>
+            <a:r>
+              <a:rPr lang="en-US" sz="7200" dirty="0"/>
+              <a:t>);</a:t>
+            </a:r>
+          </a:p>
+          <a:p>
+            <a:pPr marL="0" indent="0">
+              <a:lnSpc>
+                <a:spcPct val="120000"/>
+              </a:lnSpc>
+              <a:spcBef>
+                <a:spcPts val="0"/>
+              </a:spcBef>
+              <a:buNone/>
+            </a:pPr>
+            <a:r>
+              <a:rPr lang="en-US" sz="7200" dirty="0"/>
+              <a:t>     	width: 100%;</a:t>
+            </a:r>
+          </a:p>
+          <a:p>
+            <a:pPr marL="0" indent="0">
+              <a:lnSpc>
+                <a:spcPct val="120000"/>
+              </a:lnSpc>
+              <a:spcBef>
+                <a:spcPts val="0"/>
+              </a:spcBef>
+              <a:buNone/>
+            </a:pPr>
+            <a:r>
+              <a:rPr lang="en-US" sz="7200" dirty="0"/>
+              <a:t>} </a:t>
+            </a:r>
+          </a:p>
+          <a:p>
+            <a:pPr marL="0" indent="0">
+              <a:lnSpc>
+                <a:spcPct val="120000"/>
+              </a:lnSpc>
+              <a:spcBef>
+                <a:spcPts val="0"/>
+              </a:spcBef>
+              <a:buNone/>
+            </a:pPr>
+            <a:r>
+              <a:rPr lang="en-US" sz="7200" dirty="0"/>
+              <a:t>table{</a:t>
+            </a:r>
+          </a:p>
+          <a:p>
+            <a:pPr marL="0" indent="0">
+              <a:lnSpc>
+                <a:spcPct val="120000"/>
+              </a:lnSpc>
+              <a:spcBef>
+                <a:spcPts val="0"/>
+              </a:spcBef>
+              <a:buNone/>
+            </a:pPr>
+            <a:r>
+              <a:rPr lang="en-US" sz="7200" dirty="0"/>
+              <a:t>	margin: 10px;</a:t>
+            </a:r>
+          </a:p>
+          <a:p>
+            <a:pPr marL="0" indent="0">
+              <a:lnSpc>
+                <a:spcPct val="120000"/>
+              </a:lnSpc>
+              <a:spcBef>
+                <a:spcPts val="0"/>
+              </a:spcBef>
+              <a:buNone/>
+            </a:pPr>
+            <a:r>
+              <a:rPr lang="en-US" sz="7200" dirty="0"/>
+              <a:t>	padding: 5px;</a:t>
+            </a:r>
+          </a:p>
+          <a:p>
+            <a:pPr marL="0" indent="0">
+              <a:lnSpc>
+                <a:spcPct val="120000"/>
+              </a:lnSpc>
+              <a:spcBef>
+                <a:spcPts val="0"/>
+              </a:spcBef>
+              <a:buNone/>
+            </a:pPr>
+            <a:r>
+              <a:rPr lang="en-US" sz="7200" dirty="0"/>
+              <a:t>}</a:t>
+            </a:r>
+          </a:p>
+          <a:p>
+            <a:pPr marL="0" indent="0">
+              <a:lnSpc>
+                <a:spcPct val="120000"/>
+              </a:lnSpc>
+              <a:spcBef>
+                <a:spcPts val="0"/>
+              </a:spcBef>
+              <a:buNone/>
+            </a:pPr>
+            <a:r>
+              <a:rPr lang="en-US" sz="7200" dirty="0"/>
+              <a:t>td{</a:t>
+            </a:r>
+          </a:p>
+          <a:p>
+            <a:pPr marL="0" indent="0">
+              <a:lnSpc>
+                <a:spcPct val="120000"/>
+              </a:lnSpc>
+              <a:spcBef>
+                <a:spcPts val="0"/>
+              </a:spcBef>
+              <a:buNone/>
+            </a:pPr>
+            <a:r>
+              <a:rPr lang="en-US" sz="7200" dirty="0"/>
+              <a:t>	padding-right: 15px;</a:t>
+            </a:r>
+          </a:p>
+          <a:p>
+            <a:pPr marL="0" indent="0">
+              <a:lnSpc>
+                <a:spcPct val="120000"/>
+              </a:lnSpc>
+              <a:spcBef>
+                <a:spcPts val="0"/>
+              </a:spcBef>
+              <a:buNone/>
+            </a:pPr>
+            <a:r>
+              <a:rPr lang="en-US" sz="7200" dirty="0"/>
+              <a:t>}</a:t>
+            </a:r>
+          </a:p>
+          <a:p>
+            <a:endParaRPr lang="en-US" dirty="0" smtClean="0"/>
+          </a:p>
+        </p:txBody>
+      </p:sp>
+      <p:sp>
+        <p:nvSpPr>
+          <p:cNvPr id="4" name="Content Placeholder 3"/>
+          <p:cNvSpPr>
+            <a:spLocks noGrp="1"/>
+          </p:cNvSpPr>
+          <p:nvPr>
+            <p:ph sz="half" idx="2"/>
+          </p:nvPr>
+        </p:nvSpPr>
+        <p:spPr>
+          <a:xfrm>
+            <a:off x="6525403" y="829733"/>
+            <a:ext cx="4447786" cy="6028267"/>
+          </a:xfrm>
+        </p:spPr>
+        <p:txBody>
+          <a:bodyPr>
+            <a:noAutofit/>
+          </a:bodyPr>
+          <a:lstStyle/>
+          <a:p>
+            <a:r>
+              <a:rPr lang="en-US" sz="1600" dirty="0"/>
+              <a:t>Updated CSS</a:t>
+            </a:r>
+          </a:p>
+          <a:p>
+            <a:pPr marL="0" indent="0">
+              <a:lnSpc>
+                <a:spcPct val="120000"/>
+              </a:lnSpc>
+              <a:spcBef>
+                <a:spcPts val="0"/>
+              </a:spcBef>
+              <a:buNone/>
+            </a:pPr>
+            <a:r>
+              <a:rPr lang="en-US" sz="800" dirty="0"/>
+              <a:t>header{</a:t>
+            </a:r>
+          </a:p>
+          <a:p>
+            <a:pPr marL="0" indent="0">
+              <a:lnSpc>
+                <a:spcPct val="120000"/>
+              </a:lnSpc>
+              <a:spcBef>
+                <a:spcPts val="0"/>
+              </a:spcBef>
+              <a:buNone/>
+            </a:pPr>
+            <a:r>
+              <a:rPr lang="en-US" sz="800" dirty="0"/>
+              <a:t>	padding-left: 5px;</a:t>
+            </a:r>
+          </a:p>
+          <a:p>
+            <a:pPr marL="0" indent="0">
+              <a:lnSpc>
+                <a:spcPct val="120000"/>
+              </a:lnSpc>
+              <a:spcBef>
+                <a:spcPts val="0"/>
+              </a:spcBef>
+              <a:buNone/>
+            </a:pPr>
+            <a:r>
+              <a:rPr lang="en-US" sz="800" dirty="0"/>
+              <a:t>      	background: </a:t>
+            </a:r>
+            <a:r>
+              <a:rPr lang="en-US" sz="800" dirty="0" err="1"/>
+              <a:t>var</a:t>
+            </a:r>
+            <a:r>
+              <a:rPr lang="en-US" sz="800" dirty="0"/>
+              <a:t>(--</a:t>
+            </a:r>
+            <a:r>
+              <a:rPr lang="en-US" sz="800" dirty="0" err="1"/>
+              <a:t>bggradient</a:t>
+            </a:r>
+            <a:r>
+              <a:rPr lang="en-US" sz="800" dirty="0"/>
+              <a:t>);</a:t>
+            </a:r>
+          </a:p>
+          <a:p>
+            <a:pPr marL="0" indent="0">
+              <a:lnSpc>
+                <a:spcPct val="120000"/>
+              </a:lnSpc>
+              <a:spcBef>
+                <a:spcPts val="0"/>
+              </a:spcBef>
+              <a:buNone/>
+            </a:pPr>
+            <a:r>
+              <a:rPr lang="en-US" sz="800" dirty="0"/>
+              <a:t>     	width: 100%;</a:t>
+            </a:r>
+          </a:p>
+          <a:p>
+            <a:pPr marL="0" indent="0">
+              <a:lnSpc>
+                <a:spcPct val="120000"/>
+              </a:lnSpc>
+              <a:spcBef>
+                <a:spcPts val="0"/>
+              </a:spcBef>
+              <a:buNone/>
+            </a:pPr>
+            <a:r>
+              <a:rPr lang="en-US" sz="800" dirty="0"/>
+              <a:t>}</a:t>
+            </a:r>
+          </a:p>
+          <a:p>
+            <a:pPr marL="0" indent="0">
+              <a:lnSpc>
+                <a:spcPct val="120000"/>
+              </a:lnSpc>
+              <a:spcBef>
+                <a:spcPts val="0"/>
+              </a:spcBef>
+              <a:buNone/>
+            </a:pPr>
+            <a:r>
+              <a:rPr lang="en-US" sz="800" b="1" dirty="0">
+                <a:highlight>
+                  <a:srgbClr val="FF0000"/>
+                </a:highlight>
+              </a:rPr>
+              <a:t>h1 {</a:t>
+            </a:r>
+          </a:p>
+          <a:p>
+            <a:pPr marL="0" indent="0">
+              <a:lnSpc>
+                <a:spcPct val="120000"/>
+              </a:lnSpc>
+              <a:spcBef>
+                <a:spcPts val="0"/>
+              </a:spcBef>
+              <a:buNone/>
+            </a:pPr>
+            <a:r>
+              <a:rPr lang="en-US" sz="800" b="1" dirty="0"/>
+              <a:t>	</a:t>
+            </a:r>
+            <a:r>
+              <a:rPr lang="en-US" sz="800" b="1" dirty="0">
+                <a:highlight>
+                  <a:srgbClr val="FF0000"/>
+                </a:highlight>
+              </a:rPr>
+              <a:t>text-align: center;</a:t>
+            </a:r>
+          </a:p>
+          <a:p>
+            <a:pPr marL="0" indent="0">
+              <a:lnSpc>
+                <a:spcPct val="120000"/>
+              </a:lnSpc>
+              <a:spcBef>
+                <a:spcPts val="0"/>
+              </a:spcBef>
+              <a:buNone/>
+            </a:pPr>
+            <a:r>
+              <a:rPr lang="en-US" sz="800" b="1" dirty="0">
+                <a:highlight>
+                  <a:srgbClr val="FF0000"/>
+                </a:highlight>
+              </a:rPr>
+              <a:t>}</a:t>
+            </a:r>
+          </a:p>
+          <a:p>
+            <a:pPr marL="0" indent="0">
+              <a:lnSpc>
+                <a:spcPct val="120000"/>
+              </a:lnSpc>
+              <a:spcBef>
+                <a:spcPts val="0"/>
+              </a:spcBef>
+              <a:buNone/>
+            </a:pPr>
+            <a:r>
+              <a:rPr lang="en-US" sz="800" dirty="0"/>
+              <a:t>table{</a:t>
+            </a:r>
+          </a:p>
+          <a:p>
+            <a:pPr marL="0" indent="0">
+              <a:lnSpc>
+                <a:spcPct val="120000"/>
+              </a:lnSpc>
+              <a:spcBef>
+                <a:spcPts val="0"/>
+              </a:spcBef>
+              <a:buNone/>
+            </a:pPr>
+            <a:r>
+              <a:rPr lang="en-US" sz="800" b="1" dirty="0"/>
+              <a:t>	</a:t>
+            </a:r>
+            <a:r>
+              <a:rPr lang="en-US" sz="800" b="1" dirty="0">
+                <a:highlight>
+                  <a:srgbClr val="FF0000"/>
+                </a:highlight>
+              </a:rPr>
+              <a:t>margin: auto;</a:t>
+            </a:r>
+          </a:p>
+          <a:p>
+            <a:pPr marL="0" indent="0">
+              <a:lnSpc>
+                <a:spcPct val="120000"/>
+              </a:lnSpc>
+              <a:spcBef>
+                <a:spcPts val="0"/>
+              </a:spcBef>
+              <a:buNone/>
+            </a:pPr>
+            <a:r>
+              <a:rPr lang="en-US" sz="800" dirty="0"/>
+              <a:t>	padding: 5px;</a:t>
+            </a:r>
+          </a:p>
+          <a:p>
+            <a:pPr marL="0" indent="0">
+              <a:lnSpc>
+                <a:spcPct val="120000"/>
+              </a:lnSpc>
+              <a:spcBef>
+                <a:spcPts val="0"/>
+              </a:spcBef>
+              <a:buNone/>
+            </a:pPr>
+            <a:r>
+              <a:rPr lang="en-US" sz="800" b="1" dirty="0"/>
+              <a:t>	</a:t>
+            </a:r>
+            <a:r>
+              <a:rPr lang="en-US" sz="800" b="1" dirty="0">
+                <a:highlight>
+                  <a:srgbClr val="FF0000"/>
+                </a:highlight>
+              </a:rPr>
+              <a:t>width: 50% !important;</a:t>
+            </a:r>
+          </a:p>
+          <a:p>
+            <a:pPr marL="0" indent="0">
+              <a:lnSpc>
+                <a:spcPct val="120000"/>
+              </a:lnSpc>
+              <a:spcBef>
+                <a:spcPts val="0"/>
+              </a:spcBef>
+              <a:buNone/>
+            </a:pPr>
+            <a:r>
+              <a:rPr lang="en-US" sz="800" dirty="0"/>
+              <a:t>}</a:t>
+            </a:r>
+          </a:p>
+          <a:p>
+            <a:pPr marL="0" indent="0">
+              <a:lnSpc>
+                <a:spcPct val="120000"/>
+              </a:lnSpc>
+              <a:spcBef>
+                <a:spcPts val="0"/>
+              </a:spcBef>
+              <a:buNone/>
+            </a:pPr>
+            <a:r>
+              <a:rPr lang="en-US" sz="800" dirty="0"/>
+              <a:t>td{</a:t>
+            </a:r>
+          </a:p>
+          <a:p>
+            <a:pPr marL="0" indent="0">
+              <a:lnSpc>
+                <a:spcPct val="120000"/>
+              </a:lnSpc>
+              <a:spcBef>
+                <a:spcPts val="0"/>
+              </a:spcBef>
+              <a:buNone/>
+            </a:pPr>
+            <a:r>
+              <a:rPr lang="en-US" sz="800" dirty="0"/>
+              <a:t>	padding-right: 15px;</a:t>
+            </a:r>
+          </a:p>
+          <a:p>
+            <a:pPr marL="0" indent="0">
+              <a:lnSpc>
+                <a:spcPct val="120000"/>
+              </a:lnSpc>
+              <a:spcBef>
+                <a:spcPts val="0"/>
+              </a:spcBef>
+              <a:buNone/>
+            </a:pPr>
+            <a:r>
+              <a:rPr lang="en-US" sz="800" dirty="0"/>
+              <a:t>}</a:t>
+            </a:r>
+          </a:p>
+          <a:p>
+            <a:pPr marL="0" indent="0">
+              <a:lnSpc>
+                <a:spcPct val="120000"/>
+              </a:lnSpc>
+              <a:spcBef>
+                <a:spcPts val="0"/>
+              </a:spcBef>
+              <a:buNone/>
+            </a:pPr>
+            <a:r>
+              <a:rPr lang="en-US" sz="800" b="1" dirty="0">
+                <a:highlight>
+                  <a:srgbClr val="FF0000"/>
+                </a:highlight>
+              </a:rPr>
+              <a:t>centered-table{</a:t>
+            </a:r>
+          </a:p>
+          <a:p>
+            <a:pPr marL="0" indent="0">
+              <a:lnSpc>
+                <a:spcPct val="120000"/>
+              </a:lnSpc>
+              <a:spcBef>
+                <a:spcPts val="0"/>
+              </a:spcBef>
+              <a:buNone/>
+            </a:pPr>
+            <a:r>
+              <a:rPr lang="en-US" sz="800" b="1" dirty="0"/>
+              <a:t>	</a:t>
+            </a:r>
+            <a:r>
+              <a:rPr lang="en-US" sz="800" b="1" dirty="0">
+                <a:highlight>
+                  <a:srgbClr val="FF0000"/>
+                </a:highlight>
+              </a:rPr>
+              <a:t>margin-left: auto;</a:t>
+            </a:r>
+          </a:p>
+          <a:p>
+            <a:pPr marL="0" indent="0">
+              <a:lnSpc>
+                <a:spcPct val="120000"/>
+              </a:lnSpc>
+              <a:spcBef>
+                <a:spcPts val="0"/>
+              </a:spcBef>
+              <a:buNone/>
+            </a:pPr>
+            <a:r>
+              <a:rPr lang="en-US" sz="800" b="1" dirty="0"/>
+              <a:t>	</a:t>
+            </a:r>
+            <a:r>
+              <a:rPr lang="en-US" sz="800" b="1" dirty="0">
+                <a:highlight>
+                  <a:srgbClr val="FF0000"/>
+                </a:highlight>
+              </a:rPr>
+              <a:t>margin-right: auto;</a:t>
+            </a:r>
+          </a:p>
+          <a:p>
+            <a:pPr marL="0" indent="0">
+              <a:lnSpc>
+                <a:spcPct val="120000"/>
+              </a:lnSpc>
+              <a:spcBef>
+                <a:spcPts val="0"/>
+              </a:spcBef>
+              <a:buNone/>
+            </a:pPr>
+            <a:r>
+              <a:rPr lang="en-US" sz="800" b="1" dirty="0">
+                <a:highlight>
+                  <a:srgbClr val="FF0000"/>
+                </a:highlight>
+              </a:rPr>
+              <a:t>}</a:t>
+            </a:r>
+          </a:p>
+          <a:p>
+            <a:pPr marL="0" indent="0">
+              <a:lnSpc>
+                <a:spcPct val="120000"/>
+              </a:lnSpc>
+              <a:spcBef>
+                <a:spcPts val="0"/>
+              </a:spcBef>
+              <a:buNone/>
+            </a:pPr>
+            <a:r>
+              <a:rPr lang="en-US" sz="800" b="1" dirty="0">
+                <a:highlight>
+                  <a:srgbClr val="FF0000"/>
+                </a:highlight>
+              </a:rPr>
+              <a:t>.column-head{</a:t>
+            </a:r>
+          </a:p>
+          <a:p>
+            <a:pPr marL="0" indent="0">
+              <a:lnSpc>
+                <a:spcPct val="120000"/>
+              </a:lnSpc>
+              <a:spcBef>
+                <a:spcPts val="0"/>
+              </a:spcBef>
+              <a:buNone/>
+            </a:pPr>
+            <a:r>
+              <a:rPr lang="en-US" sz="800" b="1" dirty="0"/>
+              <a:t>	</a:t>
+            </a:r>
+            <a:r>
+              <a:rPr lang="en-US" sz="800" b="1" dirty="0">
+                <a:highlight>
+                  <a:srgbClr val="FF0000"/>
+                </a:highlight>
+              </a:rPr>
+              <a:t>text-align: center;</a:t>
+            </a:r>
+          </a:p>
+          <a:p>
+            <a:pPr marL="0" indent="0">
+              <a:lnSpc>
+                <a:spcPct val="120000"/>
+              </a:lnSpc>
+              <a:spcBef>
+                <a:spcPts val="0"/>
+              </a:spcBef>
+              <a:buNone/>
+            </a:pPr>
+            <a:r>
+              <a:rPr lang="en-US" sz="800" b="1" dirty="0">
+                <a:highlight>
+                  <a:srgbClr val="FF0000"/>
+                </a:highlight>
+              </a:rPr>
+              <a:t>}</a:t>
+            </a:r>
+          </a:p>
+          <a:p>
+            <a:pPr marL="0" indent="0">
+              <a:lnSpc>
+                <a:spcPct val="120000"/>
+              </a:lnSpc>
+              <a:spcBef>
+                <a:spcPts val="0"/>
+              </a:spcBef>
+              <a:buNone/>
+            </a:pPr>
+            <a:r>
+              <a:rPr lang="en-US" sz="800" b="1" dirty="0" err="1">
+                <a:highlight>
+                  <a:srgbClr val="FF0000"/>
+                </a:highlight>
+              </a:rPr>
+              <a:t>table.table</a:t>
+            </a:r>
+            <a:r>
+              <a:rPr lang="en-US" sz="800" b="1" dirty="0">
+                <a:highlight>
+                  <a:srgbClr val="FF0000"/>
+                </a:highlight>
+              </a:rPr>
+              <a:t>-bordered{</a:t>
+            </a:r>
+          </a:p>
+          <a:p>
+            <a:pPr marL="0" indent="0">
+              <a:lnSpc>
+                <a:spcPct val="120000"/>
+              </a:lnSpc>
+              <a:spcBef>
+                <a:spcPts val="0"/>
+              </a:spcBef>
+              <a:buNone/>
+            </a:pPr>
+            <a:r>
+              <a:rPr lang="en-US" sz="800" b="1" dirty="0"/>
+              <a:t>	</a:t>
+            </a:r>
+            <a:r>
+              <a:rPr lang="en-US" sz="800" b="1" dirty="0">
+                <a:highlight>
+                  <a:srgbClr val="FF0000"/>
+                </a:highlight>
+              </a:rPr>
+              <a:t>border:2px solid black;</a:t>
+            </a:r>
+          </a:p>
+          <a:p>
+            <a:pPr marL="0" indent="0">
+              <a:lnSpc>
+                <a:spcPct val="120000"/>
+              </a:lnSpc>
+              <a:spcBef>
+                <a:spcPts val="0"/>
+              </a:spcBef>
+              <a:buNone/>
+            </a:pPr>
+            <a:r>
+              <a:rPr lang="en-US" sz="800" b="1" dirty="0"/>
+              <a:t>	</a:t>
+            </a:r>
+            <a:r>
+              <a:rPr lang="en-US" sz="800" b="1" dirty="0">
+                <a:highlight>
+                  <a:srgbClr val="FF0000"/>
+                </a:highlight>
+              </a:rPr>
+              <a:t>margin-top:20px;</a:t>
+            </a:r>
+          </a:p>
+          <a:p>
+            <a:pPr marL="0" indent="0">
+              <a:lnSpc>
+                <a:spcPct val="120000"/>
+              </a:lnSpc>
+              <a:spcBef>
+                <a:spcPts val="0"/>
+              </a:spcBef>
+              <a:buNone/>
+            </a:pPr>
+            <a:r>
+              <a:rPr lang="en-US" sz="800" b="1" dirty="0">
+                <a:highlight>
+                  <a:srgbClr val="FF0000"/>
+                </a:highlight>
+              </a:rPr>
+              <a:t>}</a:t>
+            </a:r>
+          </a:p>
+          <a:p>
+            <a:pPr marL="0" indent="0">
+              <a:lnSpc>
+                <a:spcPct val="120000"/>
+              </a:lnSpc>
+              <a:spcBef>
+                <a:spcPts val="0"/>
+              </a:spcBef>
+              <a:buNone/>
+            </a:pPr>
+            <a:r>
+              <a:rPr lang="en-US" sz="800" b="1" dirty="0" err="1">
+                <a:highlight>
+                  <a:srgbClr val="FF0000"/>
+                </a:highlight>
+              </a:rPr>
+              <a:t>table.table</a:t>
+            </a:r>
+            <a:r>
+              <a:rPr lang="en-US" sz="800" b="1" dirty="0">
+                <a:highlight>
+                  <a:srgbClr val="FF0000"/>
+                </a:highlight>
+              </a:rPr>
+              <a:t>-bordered &gt; </a:t>
+            </a:r>
+            <a:r>
+              <a:rPr lang="en-US" sz="800" b="1" dirty="0" err="1">
+                <a:highlight>
+                  <a:srgbClr val="FF0000"/>
+                </a:highlight>
+              </a:rPr>
+              <a:t>thead</a:t>
+            </a:r>
+            <a:r>
+              <a:rPr lang="en-US" sz="800" b="1" dirty="0">
+                <a:highlight>
+                  <a:srgbClr val="FF0000"/>
+                </a:highlight>
+              </a:rPr>
+              <a:t> &gt; </a:t>
+            </a:r>
+            <a:r>
+              <a:rPr lang="en-US" sz="800" b="1" dirty="0" err="1">
+                <a:highlight>
+                  <a:srgbClr val="FF0000"/>
+                </a:highlight>
+              </a:rPr>
+              <a:t>tr</a:t>
+            </a:r>
+            <a:r>
+              <a:rPr lang="en-US" sz="800" b="1" dirty="0">
+                <a:highlight>
+                  <a:srgbClr val="FF0000"/>
+                </a:highlight>
+              </a:rPr>
+              <a:t> &gt; </a:t>
+            </a:r>
+            <a:r>
+              <a:rPr lang="en-US" sz="800" b="1" dirty="0" err="1">
+                <a:highlight>
+                  <a:srgbClr val="FF0000"/>
+                </a:highlight>
+              </a:rPr>
+              <a:t>th</a:t>
+            </a:r>
+            <a:r>
+              <a:rPr lang="en-US" sz="800" b="1" dirty="0">
+                <a:highlight>
+                  <a:srgbClr val="FF0000"/>
+                </a:highlight>
+              </a:rPr>
+              <a:t>{</a:t>
+            </a:r>
+          </a:p>
+          <a:p>
+            <a:pPr marL="0" indent="0">
+              <a:lnSpc>
+                <a:spcPct val="120000"/>
+              </a:lnSpc>
+              <a:spcBef>
+                <a:spcPts val="0"/>
+              </a:spcBef>
+              <a:buNone/>
+            </a:pPr>
+            <a:r>
+              <a:rPr lang="en-US" sz="800" b="1" dirty="0"/>
+              <a:t>	</a:t>
+            </a:r>
+            <a:r>
+              <a:rPr lang="en-US" sz="800" b="1" dirty="0">
+                <a:highlight>
+                  <a:srgbClr val="FF0000"/>
+                </a:highlight>
+              </a:rPr>
+              <a:t>width: 75% !important;</a:t>
+            </a:r>
+          </a:p>
+          <a:p>
+            <a:pPr marL="0" indent="0">
+              <a:lnSpc>
+                <a:spcPct val="120000"/>
+              </a:lnSpc>
+              <a:spcBef>
+                <a:spcPts val="0"/>
+              </a:spcBef>
+              <a:buNone/>
+            </a:pPr>
+            <a:r>
+              <a:rPr lang="en-US" sz="800" b="1" dirty="0"/>
+              <a:t>	</a:t>
+            </a:r>
+            <a:r>
+              <a:rPr lang="en-US" sz="800" b="1" dirty="0">
+                <a:highlight>
+                  <a:srgbClr val="FF0000"/>
+                </a:highlight>
+              </a:rPr>
+              <a:t>border:2px solid black;</a:t>
+            </a:r>
+          </a:p>
+          <a:p>
+            <a:pPr marL="0" indent="0">
+              <a:lnSpc>
+                <a:spcPct val="120000"/>
+              </a:lnSpc>
+              <a:spcBef>
+                <a:spcPts val="0"/>
+              </a:spcBef>
+              <a:buNone/>
+            </a:pPr>
+            <a:r>
+              <a:rPr lang="en-US" sz="800" b="1" dirty="0">
+                <a:highlight>
+                  <a:srgbClr val="FF0000"/>
+                </a:highlight>
+              </a:rPr>
+              <a:t>}</a:t>
+            </a:r>
+          </a:p>
+          <a:p>
+            <a:pPr marL="0" indent="0">
+              <a:lnSpc>
+                <a:spcPct val="120000"/>
+              </a:lnSpc>
+              <a:spcBef>
+                <a:spcPts val="0"/>
+              </a:spcBef>
+              <a:buNone/>
+            </a:pPr>
+            <a:r>
+              <a:rPr lang="en-US" sz="800" b="1" dirty="0" err="1">
+                <a:highlight>
+                  <a:srgbClr val="FF0000"/>
+                </a:highlight>
+              </a:rPr>
+              <a:t>table.table</a:t>
+            </a:r>
+            <a:r>
+              <a:rPr lang="en-US" sz="800" b="1" dirty="0">
+                <a:highlight>
+                  <a:srgbClr val="FF0000"/>
+                </a:highlight>
+              </a:rPr>
+              <a:t>-bordered &gt; </a:t>
+            </a:r>
+            <a:r>
+              <a:rPr lang="en-US" sz="800" b="1" dirty="0" err="1">
+                <a:highlight>
+                  <a:srgbClr val="FF0000"/>
+                </a:highlight>
+              </a:rPr>
+              <a:t>tbody</a:t>
+            </a:r>
+            <a:r>
+              <a:rPr lang="en-US" sz="800" b="1" dirty="0">
+                <a:highlight>
+                  <a:srgbClr val="FF0000"/>
+                </a:highlight>
+              </a:rPr>
+              <a:t> &gt; </a:t>
+            </a:r>
+            <a:r>
+              <a:rPr lang="en-US" sz="800" b="1" dirty="0" err="1">
+                <a:highlight>
+                  <a:srgbClr val="FF0000"/>
+                </a:highlight>
+              </a:rPr>
+              <a:t>tr</a:t>
+            </a:r>
+            <a:r>
+              <a:rPr lang="en-US" sz="800" b="1" dirty="0">
+                <a:highlight>
+                  <a:srgbClr val="FF0000"/>
+                </a:highlight>
+              </a:rPr>
+              <a:t> &gt; td{</a:t>
+            </a:r>
+          </a:p>
+          <a:p>
+            <a:pPr marL="0" indent="0">
+              <a:lnSpc>
+                <a:spcPct val="120000"/>
+              </a:lnSpc>
+              <a:spcBef>
+                <a:spcPts val="0"/>
+              </a:spcBef>
+              <a:buNone/>
+            </a:pPr>
+            <a:r>
+              <a:rPr lang="en-US" sz="800" b="1" dirty="0"/>
+              <a:t>	</a:t>
+            </a:r>
+            <a:r>
+              <a:rPr lang="en-US" sz="800" b="1" dirty="0">
+                <a:highlight>
+                  <a:srgbClr val="FF0000"/>
+                </a:highlight>
+              </a:rPr>
+              <a:t>width: 75% !important;</a:t>
+            </a:r>
+          </a:p>
+          <a:p>
+            <a:pPr marL="0" indent="0">
+              <a:lnSpc>
+                <a:spcPct val="120000"/>
+              </a:lnSpc>
+              <a:spcBef>
+                <a:spcPts val="0"/>
+              </a:spcBef>
+              <a:buNone/>
+            </a:pPr>
+            <a:r>
+              <a:rPr lang="en-US" sz="500" b="1" dirty="0"/>
+              <a:t>	</a:t>
+            </a:r>
+            <a:r>
+              <a:rPr lang="en-US" sz="500" b="1" dirty="0">
+                <a:highlight>
+                  <a:srgbClr val="FF0000"/>
+                </a:highlight>
+              </a:rPr>
+              <a:t>border:2px solid black;</a:t>
+            </a:r>
+          </a:p>
+          <a:p>
+            <a:endParaRPr lang="en-US" sz="500" dirty="0"/>
           </a:p>
         </p:txBody>
       </p:sp>
     </p:spTree>
     <p:extLst>
       <p:ext uri="{BB962C8B-B14F-4D97-AF65-F5344CB8AC3E}">
-        <p14:creationId xmlns:p14="http://schemas.microsoft.com/office/powerpoint/2010/main" val="4275808717"/>
+        <p14:creationId xmlns:p14="http://schemas.microsoft.com/office/powerpoint/2010/main" val="701426282"/>
       </p:ext>
     </p:extLst>
   </p:cSld>
@@ -4842,76 +5898,366 @@
       </p:grpSpPr>
       <p:sp>
         <p:nvSpPr>
-          <p:cNvPr id="2" name="Title 1">
+          <p:cNvPr id="2" name="Title 1"/>
+          <p:cNvSpPr>
+            <a:spLocks noGrp="1"/>
+          </p:cNvSpPr>
+          <p:nvPr>
+            <p:ph type="title"/>
+          </p:nvPr>
+        </p:nvSpPr>
+        <p:spPr>
+          <a:xfrm>
+            <a:off x="1371600" y="0"/>
+            <a:ext cx="9601200" cy="668867"/>
+          </a:xfrm>
+        </p:spPr>
+        <p:txBody>
+          <a:bodyPr>
+            <a:normAutofit fontScale="90000"/>
+          </a:bodyPr>
+          <a:lstStyle/>
+          <a:p>
+            <a:r>
+              <a:rPr lang="en-US"/>
+              <a:t>Modification of the Book Inventory Page</a:t>
+            </a:r>
+          </a:p>
+        </p:txBody>
+      </p:sp>
+      <p:sp>
+        <p:nvSpPr>
+          <p:cNvPr id="3" name="Content Placeholder 2"/>
+          <p:cNvSpPr>
+            <a:spLocks noGrp="1"/>
+          </p:cNvSpPr>
+          <p:nvPr>
+            <p:ph sz="half" idx="1"/>
+          </p:nvPr>
+        </p:nvSpPr>
+        <p:spPr>
+          <a:xfrm>
+            <a:off x="728133" y="668867"/>
+            <a:ext cx="5091253" cy="6189133"/>
+          </a:xfrm>
+        </p:spPr>
+        <p:txBody>
+          <a:bodyPr>
+            <a:normAutofit fontScale="92500"/>
+          </a:bodyPr>
+          <a:lstStyle/>
+          <a:p>
+            <a:r>
+              <a:rPr lang="en-US" dirty="0"/>
+              <a:t>Original code for the output of the </a:t>
+            </a:r>
+            <a:r>
+              <a:rPr lang="en-US" dirty="0" smtClean="0"/>
+              <a:t>table</a:t>
+            </a:r>
+          </a:p>
+          <a:p>
+            <a:pPr marL="0" indent="0">
+              <a:lnSpc>
+                <a:spcPct val="120000"/>
+              </a:lnSpc>
+              <a:spcBef>
+                <a:spcPts val="0"/>
+              </a:spcBef>
+              <a:buNone/>
+            </a:pPr>
+            <a:r>
+              <a:rPr lang="en-US" dirty="0"/>
+              <a:t>echo "&lt;table&gt;";</a:t>
+            </a:r>
+          </a:p>
+          <a:p>
+            <a:pPr marL="0" indent="0">
+              <a:lnSpc>
+                <a:spcPct val="120000"/>
+              </a:lnSpc>
+              <a:spcBef>
+                <a:spcPts val="0"/>
+              </a:spcBef>
+              <a:buNone/>
+            </a:pPr>
+            <a:r>
+              <a:rPr lang="en-US" dirty="0"/>
+              <a:t>echo "&lt;</a:t>
+            </a:r>
+            <a:r>
+              <a:rPr lang="en-US" dirty="0" err="1"/>
+              <a:t>tr</a:t>
+            </a:r>
+            <a:r>
+              <a:rPr lang="en-US" dirty="0"/>
+              <a:t>&gt;&lt;</a:t>
+            </a:r>
+            <a:r>
+              <a:rPr lang="en-US" dirty="0" err="1"/>
+              <a:t>th</a:t>
+            </a:r>
+            <a:r>
+              <a:rPr lang="en-US" dirty="0"/>
+              <a:t>&gt;Title&lt;/</a:t>
+            </a:r>
+            <a:r>
+              <a:rPr lang="en-US" dirty="0" err="1"/>
+              <a:t>th</a:t>
+            </a:r>
+            <a:r>
+              <a:rPr lang="en-US" dirty="0"/>
+              <a:t>&gt;&lt;</a:t>
+            </a:r>
+            <a:r>
+              <a:rPr lang="en-US" dirty="0" err="1"/>
+              <a:t>th</a:t>
+            </a:r>
+            <a:r>
+              <a:rPr lang="en-US" dirty="0"/>
+              <a:t>&gt;Author&lt;/</a:t>
+            </a:r>
+            <a:r>
+              <a:rPr lang="en-US" dirty="0" err="1"/>
+              <a:t>th</a:t>
+            </a:r>
+            <a:r>
+              <a:rPr lang="en-US" dirty="0"/>
+              <a:t>&gt;&lt;</a:t>
+            </a:r>
+            <a:r>
+              <a:rPr lang="en-US" dirty="0" err="1"/>
+              <a:t>th</a:t>
+            </a:r>
+            <a:r>
+              <a:rPr lang="en-US" dirty="0"/>
+              <a:t>&gt;ISBN&lt;/</a:t>
+            </a:r>
+            <a:r>
+              <a:rPr lang="en-US" dirty="0" err="1"/>
+              <a:t>th</a:t>
+            </a:r>
+            <a:r>
+              <a:rPr lang="en-US" dirty="0"/>
+              <a:t>&gt;&lt;/</a:t>
+            </a:r>
+            <a:r>
+              <a:rPr lang="en-US" dirty="0" err="1"/>
+              <a:t>tr</a:t>
+            </a:r>
+            <a:r>
+              <a:rPr lang="en-US" dirty="0"/>
+              <a:t>&gt;";</a:t>
+            </a:r>
+          </a:p>
+          <a:p>
+            <a:pPr marL="0" indent="0">
+              <a:lnSpc>
+                <a:spcPct val="120000"/>
+              </a:lnSpc>
+              <a:spcBef>
+                <a:spcPts val="0"/>
+              </a:spcBef>
+              <a:buNone/>
+            </a:pPr>
+            <a:r>
+              <a:rPr lang="en-US" dirty="0"/>
+              <a:t>while($results = </a:t>
+            </a:r>
+            <a:r>
+              <a:rPr lang="en-US" dirty="0" err="1"/>
+              <a:t>pg_fetch_array</a:t>
+            </a:r>
+            <a:r>
+              <a:rPr lang="en-US" dirty="0"/>
+              <a:t>($query, NULL, PGSQL_ASSOC)){</a:t>
+            </a:r>
+          </a:p>
+          <a:p>
+            <a:pPr marL="0" indent="0">
+              <a:lnSpc>
+                <a:spcPct val="120000"/>
+              </a:lnSpc>
+              <a:spcBef>
+                <a:spcPts val="0"/>
+              </a:spcBef>
+              <a:buNone/>
+            </a:pPr>
+            <a:r>
+              <a:rPr lang="en-US" dirty="0"/>
+              <a:t>	echo "&lt;</a:t>
+            </a:r>
+            <a:r>
+              <a:rPr lang="en-US" dirty="0" err="1"/>
+              <a:t>tr</a:t>
+            </a:r>
+            <a:r>
+              <a:rPr lang="en-US" dirty="0"/>
+              <a:t>&gt;";</a:t>
+            </a:r>
+          </a:p>
+          <a:p>
+            <a:pPr marL="0" indent="0">
+              <a:lnSpc>
+                <a:spcPct val="120000"/>
+              </a:lnSpc>
+              <a:spcBef>
+                <a:spcPts val="0"/>
+              </a:spcBef>
+              <a:buNone/>
+            </a:pPr>
+            <a:r>
+              <a:rPr lang="en-US" dirty="0"/>
+              <a:t>	echo "&lt;td&gt;" . $results['title'] . "&lt;/td&gt;";</a:t>
+            </a:r>
+          </a:p>
+          <a:p>
+            <a:pPr marL="0" indent="0">
+              <a:lnSpc>
+                <a:spcPct val="120000"/>
+              </a:lnSpc>
+              <a:spcBef>
+                <a:spcPts val="0"/>
+              </a:spcBef>
+              <a:buNone/>
+            </a:pPr>
+            <a:r>
+              <a:rPr lang="en-US" dirty="0"/>
+              <a:t>	echo "&lt;td&gt;" . $results['author'] . "&lt;/td&gt;";</a:t>
+            </a:r>
+          </a:p>
+          <a:p>
+            <a:pPr marL="0" indent="0">
+              <a:lnSpc>
+                <a:spcPct val="120000"/>
+              </a:lnSpc>
+              <a:spcBef>
+                <a:spcPts val="0"/>
+              </a:spcBef>
+              <a:buNone/>
+            </a:pPr>
+            <a:r>
+              <a:rPr lang="en-US" dirty="0"/>
+              <a:t>	echo "&lt;td&gt;" . $results['</a:t>
+            </a:r>
+            <a:r>
+              <a:rPr lang="en-US" dirty="0" err="1"/>
+              <a:t>isbn</a:t>
+            </a:r>
+            <a:r>
+              <a:rPr lang="en-US" dirty="0"/>
+              <a:t>'] . "&lt;/td&gt;";</a:t>
+            </a:r>
+          </a:p>
+          <a:p>
+            <a:pPr marL="0" indent="0">
+              <a:lnSpc>
+                <a:spcPct val="120000"/>
+              </a:lnSpc>
+              <a:spcBef>
+                <a:spcPts val="0"/>
+              </a:spcBef>
+              <a:buNone/>
+            </a:pPr>
+            <a:r>
+              <a:rPr lang="en-US" dirty="0"/>
+              <a:t>	echo "&lt;/</a:t>
+            </a:r>
+            <a:r>
+              <a:rPr lang="en-US" dirty="0" err="1"/>
+              <a:t>tr</a:t>
+            </a:r>
+            <a:r>
+              <a:rPr lang="en-US" dirty="0"/>
+              <a:t>&gt;";</a:t>
+            </a:r>
+          </a:p>
+          <a:p>
+            <a:pPr marL="0" indent="0">
+              <a:lnSpc>
+                <a:spcPct val="120000"/>
+              </a:lnSpc>
+              <a:spcBef>
+                <a:spcPts val="0"/>
+              </a:spcBef>
+              <a:buNone/>
+            </a:pPr>
+            <a:r>
+              <a:rPr lang="en-US" dirty="0"/>
+              <a:t>  }</a:t>
+            </a:r>
+          </a:p>
+          <a:p>
+            <a:pPr marL="0" indent="0">
+              <a:lnSpc>
+                <a:spcPct val="120000"/>
+              </a:lnSpc>
+              <a:spcBef>
+                <a:spcPts val="0"/>
+              </a:spcBef>
+              <a:buNone/>
+            </a:pPr>
+            <a:r>
+              <a:rPr lang="en-US" dirty="0"/>
+              <a:t>  echo "&lt;/table&gt;";</a:t>
+            </a:r>
+          </a:p>
+          <a:p>
+            <a:pPr marL="0" indent="0">
+              <a:lnSpc>
+                <a:spcPct val="120000"/>
+              </a:lnSpc>
+              <a:spcBef>
+                <a:spcPts val="0"/>
+              </a:spcBef>
+              <a:buNone/>
+            </a:pPr>
+            <a:r>
+              <a:rPr lang="en-US" dirty="0"/>
+              <a:t> </a:t>
+            </a:r>
+          </a:p>
+          <a:p>
+            <a:endParaRPr lang="en-US" dirty="0"/>
+          </a:p>
+        </p:txBody>
+      </p:sp>
+      <p:pic>
+        <p:nvPicPr>
+          <p:cNvPr id="6" name="Content Placeholder 6">
             <a:extLst>
               <a:ext uri="{FF2B5EF4-FFF2-40B4-BE49-F238E27FC236}">
-                <a16:creationId xmlns:a16="http://schemas.microsoft.com/office/drawing/2014/main" id="{7313C04E-048C-4A6E-AE61-1AD4F0BCC42F}"/>
+                <a16:creationId xmlns:a16="http://schemas.microsoft.com/office/drawing/2014/main" xmlns="" id="{CA0B4A62-A56E-4D35-A2A7-7AD068A6A1AB}"/>
               </a:ext>
             </a:extLst>
           </p:cNvPr>
-          <p:cNvSpPr>
-            <a:spLocks noGrp="1"/>
-          </p:cNvSpPr>
-          <p:nvPr>
-            <p:ph type="title"/>
-          </p:nvPr>
-        </p:nvSpPr>
-        <p:spPr/>
-        <p:txBody>
-          <a:bodyPr/>
-          <a:lstStyle/>
-          <a:p>
-            <a:r>
-              <a:rPr lang="en-US" dirty="0"/>
-              <a:t>Build Manager/Developer: Chris Wells</a:t>
-            </a:r>
-          </a:p>
-        </p:txBody>
-      </p:sp>
-      <p:sp>
-        <p:nvSpPr>
-          <p:cNvPr id="3" name="Content Placeholder 2">
-            <a:extLst>
-              <a:ext uri="{FF2B5EF4-FFF2-40B4-BE49-F238E27FC236}">
-                <a16:creationId xmlns:a16="http://schemas.microsoft.com/office/drawing/2014/main" id="{1CC7617A-9BB1-41CF-A4CE-02FD091C153F}"/>
-              </a:ext>
-            </a:extLst>
-          </p:cNvPr>
-          <p:cNvSpPr>
-            <a:spLocks noGrp="1"/>
-          </p:cNvSpPr>
-          <p:nvPr>
-            <p:ph idx="1"/>
-          </p:nvPr>
-        </p:nvSpPr>
-        <p:spPr/>
-        <p:txBody>
-          <a:bodyPr/>
-          <a:lstStyle/>
-          <a:p>
-            <a:pPr marL="0" indent="0">
-              <a:buNone/>
-            </a:pPr>
-            <a:r>
-              <a:rPr lang="en-US" dirty="0"/>
-              <a:t>Task:</a:t>
-            </a:r>
-          </a:p>
-          <a:p>
-            <a:pPr marL="0" indent="0">
-              <a:buNone/>
-            </a:pPr>
-            <a:r>
-              <a:rPr lang="en-US" dirty="0"/>
-              <a:t>1. Make the search bar “smarter” and not case-sensitive</a:t>
-            </a:r>
-          </a:p>
-        </p:txBody>
-      </p:sp>
+          <p:cNvPicPr>
+            <a:picLocks noGrp="1" noChangeAspect="1"/>
+          </p:cNvPicPr>
+          <p:nvPr>
+            <p:ph sz="half" idx="2"/>
+          </p:nvPr>
+        </p:nvPicPr>
+        <p:blipFill>
+          <a:blip r:embed="rId2"/>
+          <a:stretch>
+            <a:fillRect/>
+          </a:stretch>
+        </p:blipFill>
+        <p:spPr>
+          <a:xfrm>
+            <a:off x="5819387" y="668866"/>
+            <a:ext cx="6344142" cy="6189133"/>
+          </a:xfrm>
+          <a:prstGeom prst="rect">
+            <a:avLst/>
+          </a:prstGeom>
+        </p:spPr>
+      </p:pic>
     </p:spTree>
     <p:extLst>
       <p:ext uri="{BB962C8B-B14F-4D97-AF65-F5344CB8AC3E}">
-        <p14:creationId xmlns:p14="http://schemas.microsoft.com/office/powerpoint/2010/main" val="1478532671"/>
+        <p14:creationId xmlns:p14="http://schemas.microsoft.com/office/powerpoint/2010/main" val="408827458"/>
       </p:ext>
     </p:extLst>
   </p:cSld>
@@ -4940,52 +6286,448 @@
       </p:grpSpPr>
       <p:sp>
         <p:nvSpPr>
-          <p:cNvPr id="2" name="Title 1">
+          <p:cNvPr id="2" name="Title 1"/>
+          <p:cNvSpPr>
+            <a:spLocks noGrp="1"/>
+          </p:cNvSpPr>
+          <p:nvPr>
+            <p:ph type="title"/>
+          </p:nvPr>
+        </p:nvSpPr>
+        <p:spPr>
+          <a:xfrm>
+            <a:off x="1371600" y="0"/>
+            <a:ext cx="9601200" cy="677333"/>
+          </a:xfrm>
+        </p:spPr>
+        <p:txBody>
+          <a:bodyPr>
+            <a:normAutofit fontScale="90000"/>
+          </a:bodyPr>
+          <a:lstStyle/>
+          <a:p>
+            <a:r>
+              <a:rPr lang="en-US"/>
+              <a:t>Modification of the Book Inventory Page</a:t>
+            </a:r>
+          </a:p>
+        </p:txBody>
+      </p:sp>
+      <p:sp>
+        <p:nvSpPr>
+          <p:cNvPr id="3" name="Content Placeholder 2"/>
+          <p:cNvSpPr>
+            <a:spLocks noGrp="1"/>
+          </p:cNvSpPr>
+          <p:nvPr>
+            <p:ph sz="half" idx="1"/>
+          </p:nvPr>
+        </p:nvSpPr>
+        <p:spPr>
+          <a:xfrm>
+            <a:off x="762000" y="677333"/>
+            <a:ext cx="5057386" cy="6180667"/>
+          </a:xfrm>
+        </p:spPr>
+        <p:txBody>
+          <a:bodyPr>
+            <a:normAutofit fontScale="92500" lnSpcReduction="20000"/>
+          </a:bodyPr>
+          <a:lstStyle/>
+          <a:p>
+            <a:r>
+              <a:rPr lang="en-US" dirty="0"/>
+              <a:t>Updated code for the output of the table</a:t>
+            </a:r>
+          </a:p>
+          <a:p>
+            <a:pPr marL="0" indent="0">
+              <a:lnSpc>
+                <a:spcPct val="120000"/>
+              </a:lnSpc>
+              <a:spcBef>
+                <a:spcPts val="0"/>
+              </a:spcBef>
+              <a:buNone/>
+            </a:pPr>
+            <a:r>
+              <a:rPr lang="en-US" dirty="0"/>
+              <a:t>echo "&lt;table </a:t>
+            </a:r>
+            <a:r>
+              <a:rPr lang="en-US" dirty="0">
+                <a:highlight>
+                  <a:srgbClr val="FF0000"/>
+                </a:highlight>
+              </a:rPr>
+              <a:t>class=\"centered-table table-bordered </a:t>
+            </a:r>
+            <a:r>
+              <a:rPr lang="en-US" dirty="0"/>
+              <a:t>	</a:t>
+            </a:r>
+            <a:r>
+              <a:rPr lang="en-US" dirty="0">
+                <a:highlight>
+                  <a:srgbClr val="FF0000"/>
+                </a:highlight>
+              </a:rPr>
+              <a:t>table-striped table-hover table-responsive\"</a:t>
+            </a:r>
+            <a:r>
+              <a:rPr lang="en-US" dirty="0"/>
+              <a:t>&gt;";</a:t>
+            </a:r>
+          </a:p>
+          <a:p>
+            <a:pPr marL="0" indent="0">
+              <a:lnSpc>
+                <a:spcPct val="120000"/>
+              </a:lnSpc>
+              <a:spcBef>
+                <a:spcPts val="0"/>
+              </a:spcBef>
+              <a:buNone/>
+            </a:pPr>
+            <a:r>
+              <a:rPr lang="en-US" dirty="0">
+                <a:highlight>
+                  <a:srgbClr val="FF0000"/>
+                </a:highlight>
+              </a:rPr>
+              <a:t>echo"&lt;</a:t>
+            </a:r>
+            <a:r>
+              <a:rPr lang="en-US" dirty="0" err="1">
+                <a:highlight>
+                  <a:srgbClr val="FF0000"/>
+                </a:highlight>
+              </a:rPr>
+              <a:t>thead</a:t>
+            </a:r>
+            <a:r>
+              <a:rPr lang="en-US" dirty="0">
+                <a:highlight>
+                  <a:srgbClr val="FF0000"/>
+                </a:highlight>
+              </a:rPr>
+              <a:t>&gt;";</a:t>
+            </a:r>
+          </a:p>
+          <a:p>
+            <a:pPr marL="0" indent="0">
+              <a:lnSpc>
+                <a:spcPct val="120000"/>
+              </a:lnSpc>
+              <a:spcBef>
+                <a:spcPts val="0"/>
+              </a:spcBef>
+              <a:buNone/>
+            </a:pPr>
+            <a:r>
+              <a:rPr lang="en-US" dirty="0"/>
+              <a:t>echo "&lt;</a:t>
+            </a:r>
+            <a:r>
+              <a:rPr lang="en-US" dirty="0" err="1"/>
+              <a:t>tr</a:t>
+            </a:r>
+            <a:r>
+              <a:rPr lang="en-US" dirty="0"/>
+              <a:t> </a:t>
+            </a:r>
+            <a:r>
+              <a:rPr lang="en-US" dirty="0">
+                <a:highlight>
+                  <a:srgbClr val="FF0000"/>
+                </a:highlight>
+              </a:rPr>
+              <a:t>class=\"column-</a:t>
+            </a:r>
+            <a:r>
+              <a:rPr lang="en-US" dirty="0"/>
+              <a:t>	</a:t>
+            </a:r>
+            <a:r>
+              <a:rPr lang="en-US" dirty="0">
+                <a:highlight>
+                  <a:srgbClr val="FF0000"/>
+                </a:highlight>
+              </a:rPr>
+              <a:t>head\</a:t>
+            </a:r>
+            <a:r>
+              <a:rPr lang="en-US" dirty="0"/>
+              <a:t>"&gt;&lt;</a:t>
+            </a:r>
+            <a:r>
+              <a:rPr lang="en-US" dirty="0" err="1"/>
+              <a:t>th</a:t>
+            </a:r>
+            <a:r>
+              <a:rPr lang="en-US" dirty="0"/>
+              <a:t>&gt;Title&lt;/</a:t>
+            </a:r>
+            <a:r>
+              <a:rPr lang="en-US" dirty="0" err="1"/>
+              <a:t>th</a:t>
+            </a:r>
+            <a:r>
+              <a:rPr lang="en-US" dirty="0"/>
+              <a:t>&gt;&lt;</a:t>
+            </a:r>
+            <a:r>
+              <a:rPr lang="en-US" dirty="0" err="1"/>
+              <a:t>th</a:t>
+            </a:r>
+            <a:r>
+              <a:rPr lang="en-US" dirty="0"/>
+              <a:t>&gt;Author&lt;/</a:t>
+            </a:r>
+            <a:r>
+              <a:rPr lang="en-US" dirty="0" err="1"/>
+              <a:t>th</a:t>
+            </a:r>
+            <a:r>
+              <a:rPr lang="en-US" dirty="0"/>
+              <a:t>&gt;&lt;</a:t>
+            </a:r>
+            <a:r>
+              <a:rPr lang="en-US" dirty="0" err="1"/>
+              <a:t>th</a:t>
+            </a:r>
+            <a:r>
+              <a:rPr lang="en-US" dirty="0"/>
+              <a:t>	&gt;ISBN&lt;/t	h&gt;&lt;/</a:t>
+            </a:r>
+            <a:r>
+              <a:rPr lang="en-US" dirty="0" err="1"/>
+              <a:t>tr</a:t>
+            </a:r>
+            <a:r>
+              <a:rPr lang="en-US" dirty="0"/>
+              <a:t>&gt;“;</a:t>
+            </a:r>
+          </a:p>
+          <a:p>
+            <a:pPr marL="0" indent="0">
+              <a:lnSpc>
+                <a:spcPct val="120000"/>
+              </a:lnSpc>
+              <a:spcBef>
+                <a:spcPts val="0"/>
+              </a:spcBef>
+              <a:buNone/>
+            </a:pPr>
+            <a:r>
+              <a:rPr lang="en-US" dirty="0">
+                <a:highlight>
+                  <a:srgbClr val="FF0000"/>
+                </a:highlight>
+              </a:rPr>
+              <a:t>echo "&lt;/</a:t>
+            </a:r>
+            <a:r>
+              <a:rPr lang="en-US" dirty="0" err="1">
+                <a:highlight>
+                  <a:srgbClr val="FF0000"/>
+                </a:highlight>
+              </a:rPr>
+              <a:t>thead</a:t>
+            </a:r>
+            <a:r>
+              <a:rPr lang="en-US" dirty="0">
+                <a:highlight>
+                  <a:srgbClr val="FF0000"/>
+                </a:highlight>
+              </a:rPr>
+              <a:t>&gt;";</a:t>
+            </a:r>
+          </a:p>
+          <a:p>
+            <a:pPr marL="0" indent="0">
+              <a:lnSpc>
+                <a:spcPct val="120000"/>
+              </a:lnSpc>
+              <a:spcBef>
+                <a:spcPts val="0"/>
+              </a:spcBef>
+              <a:buNone/>
+            </a:pPr>
+            <a:r>
+              <a:rPr lang="en-US" dirty="0"/>
+              <a:t>while($results = </a:t>
+            </a:r>
+            <a:r>
+              <a:rPr lang="en-US" dirty="0" err="1"/>
+              <a:t>pg_fetch_array</a:t>
+            </a:r>
+            <a:r>
+              <a:rPr lang="en-US" dirty="0"/>
+              <a:t>($query, NULL, 	PGSQL_ASSOC)){</a:t>
+            </a:r>
+          </a:p>
+          <a:p>
+            <a:pPr marL="0" indent="0">
+              <a:lnSpc>
+                <a:spcPct val="120000"/>
+              </a:lnSpc>
+              <a:spcBef>
+                <a:spcPts val="0"/>
+              </a:spcBef>
+              <a:buNone/>
+            </a:pPr>
+            <a:r>
+              <a:rPr lang="en-US" dirty="0"/>
+              <a:t>	echo "&lt;</a:t>
+            </a:r>
+            <a:r>
+              <a:rPr lang="en-US" dirty="0" err="1"/>
+              <a:t>tr</a:t>
+            </a:r>
+            <a:r>
+              <a:rPr lang="en-US" dirty="0"/>
+              <a:t>&gt;";</a:t>
+            </a:r>
+          </a:p>
+          <a:p>
+            <a:pPr marL="0" indent="0">
+              <a:lnSpc>
+                <a:spcPct val="120000"/>
+              </a:lnSpc>
+              <a:spcBef>
+                <a:spcPts val="0"/>
+              </a:spcBef>
+              <a:buNone/>
+            </a:pPr>
+            <a:r>
+              <a:rPr lang="en-US" dirty="0"/>
+              <a:t>	echo "&lt;td&gt;" . $results['title'] . "&lt;/td&gt;";</a:t>
+            </a:r>
+          </a:p>
+          <a:p>
+            <a:pPr marL="0" indent="0">
+              <a:lnSpc>
+                <a:spcPct val="120000"/>
+              </a:lnSpc>
+              <a:spcBef>
+                <a:spcPts val="0"/>
+              </a:spcBef>
+              <a:buNone/>
+            </a:pPr>
+            <a:r>
+              <a:rPr lang="en-US" dirty="0"/>
+              <a:t>	echo "&lt;td&gt;" . $results['author'] . "&lt;/td&gt;";</a:t>
+            </a:r>
+          </a:p>
+          <a:p>
+            <a:pPr marL="0" indent="0">
+              <a:lnSpc>
+                <a:spcPct val="120000"/>
+              </a:lnSpc>
+              <a:spcBef>
+                <a:spcPts val="0"/>
+              </a:spcBef>
+              <a:buNone/>
+            </a:pPr>
+            <a:r>
+              <a:rPr lang="en-US" dirty="0"/>
+              <a:t>	echo "&lt;td&gt;" . $results['</a:t>
+            </a:r>
+            <a:r>
+              <a:rPr lang="en-US" dirty="0" err="1"/>
+              <a:t>isbn</a:t>
+            </a:r>
+            <a:r>
+              <a:rPr lang="en-US" dirty="0"/>
+              <a:t>'] . "&lt;/td&gt;";</a:t>
+            </a:r>
+          </a:p>
+          <a:p>
+            <a:pPr marL="0" indent="0">
+              <a:lnSpc>
+                <a:spcPct val="120000"/>
+              </a:lnSpc>
+              <a:spcBef>
+                <a:spcPts val="0"/>
+              </a:spcBef>
+              <a:buNone/>
+            </a:pPr>
+            <a:r>
+              <a:rPr lang="en-US" dirty="0"/>
+              <a:t>	echo "&lt;/</a:t>
+            </a:r>
+            <a:r>
+              <a:rPr lang="en-US" dirty="0" err="1"/>
+              <a:t>tr</a:t>
+            </a:r>
+            <a:r>
+              <a:rPr lang="en-US" dirty="0"/>
+              <a:t>&gt;";</a:t>
+            </a:r>
+          </a:p>
+          <a:p>
+            <a:pPr marL="0" indent="0">
+              <a:lnSpc>
+                <a:spcPct val="120000"/>
+              </a:lnSpc>
+              <a:spcBef>
+                <a:spcPts val="0"/>
+              </a:spcBef>
+              <a:buNone/>
+            </a:pPr>
+            <a:r>
+              <a:rPr lang="en-US" dirty="0"/>
+              <a:t>}</a:t>
+            </a:r>
+          </a:p>
+          <a:p>
+            <a:pPr marL="0" indent="0">
+              <a:lnSpc>
+                <a:spcPct val="120000"/>
+              </a:lnSpc>
+              <a:spcBef>
+                <a:spcPts val="0"/>
+              </a:spcBef>
+              <a:buNone/>
+            </a:pPr>
+            <a:r>
+              <a:rPr lang="en-US" dirty="0"/>
+              <a:t>echo "&lt;/table&gt;"; </a:t>
+            </a:r>
+          </a:p>
+          <a:p>
+            <a:pPr marL="0" indent="0">
+              <a:lnSpc>
+                <a:spcPct val="120000"/>
+              </a:lnSpc>
+              <a:spcBef>
+                <a:spcPts val="0"/>
+              </a:spcBef>
+              <a:buNone/>
+            </a:pPr>
+            <a:endParaRPr lang="en-US" dirty="0"/>
+          </a:p>
+          <a:p>
+            <a:endParaRPr lang="en-US" dirty="0"/>
+          </a:p>
+        </p:txBody>
+      </p:sp>
+      <p:pic>
+        <p:nvPicPr>
+          <p:cNvPr id="5" name="Content Placeholder 19">
             <a:extLst>
               <a:ext uri="{FF2B5EF4-FFF2-40B4-BE49-F238E27FC236}">
-                <a16:creationId xmlns:a16="http://schemas.microsoft.com/office/drawing/2014/main" id="{31CB56F1-6918-DB4B-A9C3-59592D7804C5}"/>
-              </a:ext>
-            </a:extLst>
-          </p:cNvPr>
-          <p:cNvSpPr>
-            <a:spLocks noGrp="1"/>
-          </p:cNvSpPr>
-          <p:nvPr>
-            <p:ph type="title"/>
-          </p:nvPr>
-        </p:nvSpPr>
-        <p:spPr/>
-        <p:txBody>
-          <a:bodyPr/>
-          <a:lstStyle/>
-          <a:p>
-            <a:r>
-              <a:rPr lang="en-US" dirty="0"/>
-              <a:t>Tester/Developer: </a:t>
-            </a:r>
-            <a:br>
-              <a:rPr lang="en-US" dirty="0"/>
-            </a:br>
-            <a:r>
-              <a:rPr lang="en-US" dirty="0"/>
-              <a:t>Josh McGuire </a:t>
-            </a:r>
-          </a:p>
-        </p:txBody>
-      </p:sp>
-      <p:pic>
-        <p:nvPicPr>
-          <p:cNvPr id="5" name="Picture 4">
-            <a:extLst>
-              <a:ext uri="{FF2B5EF4-FFF2-40B4-BE49-F238E27FC236}">
-                <a16:creationId xmlns:a16="http://schemas.microsoft.com/office/drawing/2014/main" id="{C3011F5F-E239-F64C-88CD-193484631C88}"/>
+                <a16:creationId xmlns:a16="http://schemas.microsoft.com/office/drawing/2014/main" xmlns="" id="{D45D4471-3E30-4B3D-8BD4-31A1148DACE9}"/>
               </a:ext>
             </a:extLst>
           </p:cNvPr>
           <p:cNvPicPr>
-            <a:picLocks noChangeAspect="1"/>
+            <a:picLocks noGrp="1" noChangeAspect="1"/>
           </p:cNvPicPr>
-          <p:nvPr/>
+          <p:nvPr>
+            <p:ph sz="half" idx="2"/>
+          </p:nvPr>
         </p:nvPicPr>
         <p:blipFill>
           <a:blip r:embed="rId2"/>
@@ -4995,8 +6737,8 @@
         </p:blipFill>
         <p:spPr>
           <a:xfrm>
-            <a:off x="2140780" y="1996778"/>
-            <a:ext cx="7910440" cy="4527589"/>
+            <a:off x="5819387" y="677333"/>
+            <a:ext cx="6372614" cy="6180667"/>
           </a:xfrm>
           <a:prstGeom prst="rect">
             <a:avLst/>
@@ -5006,7 +6748,110 @@
     </p:spTree>
     <p:extLst>
       <p:ext uri="{BB962C8B-B14F-4D97-AF65-F5344CB8AC3E}">
-        <p14:creationId xmlns:p14="http://schemas.microsoft.com/office/powerpoint/2010/main" val="2879849410"/>
+        <p14:creationId xmlns:p14="http://schemas.microsoft.com/office/powerpoint/2010/main" val="1624093876"/>
+      </p:ext>
+    </p:extLst>
+  </p:cSld>
+  <p:clrMapOvr>
+    <a:masterClrMapping/>
+  </p:clrMapOvr>
+</p:sld>
+</file>
+
+<file path=ppt/slides/slide9.xml><?xml version="1.0" encoding="utf-8"?>
+<p:sld xmlns:a="http://schemas.openxmlformats.org/drawingml/2006/main" xmlns:r="http://schemas.openxmlformats.org/officeDocument/2006/relationships" xmlns:p="http://schemas.openxmlformats.org/presentationml/2006/main">
+  <p:cSld>
+    <p:spTree>
+      <p:nvGrpSpPr>
+        <p:cNvPr id="1" name=""/>
+        <p:cNvGrpSpPr/>
+        <p:nvPr/>
+      </p:nvGrpSpPr>
+      <p:grpSpPr>
+        <a:xfrm>
+          <a:off x="0" y="0"/>
+          <a:ext cx="0" cy="0"/>
+          <a:chOff x="0" y="0"/>
+          <a:chExt cx="0" cy="0"/>
+        </a:xfrm>
+      </p:grpSpPr>
+      <p:sp>
+        <p:nvSpPr>
+          <p:cNvPr id="2" name="Title 1">
+            <a:extLst>
+              <a:ext uri="{FF2B5EF4-FFF2-40B4-BE49-F238E27FC236}">
+                <a16:creationId xmlns:a16="http://schemas.microsoft.com/office/drawing/2014/main" xmlns="" id="{31CB56F1-6918-DB4B-A9C3-59592D7804C5}"/>
+              </a:ext>
+            </a:extLst>
+          </p:cNvPr>
+          <p:cNvSpPr>
+            <a:spLocks noGrp="1"/>
+          </p:cNvSpPr>
+          <p:nvPr>
+            <p:ph type="title"/>
+          </p:nvPr>
+        </p:nvSpPr>
+        <p:spPr/>
+        <p:txBody>
+          <a:bodyPr/>
+          <a:lstStyle/>
+          <a:p>
+            <a:r>
+              <a:rPr lang="en-US" dirty="0"/>
+              <a:t>SCM Manager/Developer: Reed </a:t>
+            </a:r>
+            <a:r>
+              <a:rPr lang="en-US" dirty="0" err="1"/>
+              <a:t>Inderwiesche</a:t>
+            </a:r>
+            <a:endParaRPr lang="en-US" dirty="0"/>
+          </a:p>
+        </p:txBody>
+      </p:sp>
+      <p:sp>
+        <p:nvSpPr>
+          <p:cNvPr id="4" name="Content Placeholder 3">
+            <a:extLst>
+              <a:ext uri="{FF2B5EF4-FFF2-40B4-BE49-F238E27FC236}">
+                <a16:creationId xmlns:a16="http://schemas.microsoft.com/office/drawing/2014/main" xmlns="" id="{451F011C-BF31-499C-B4A0-ECC93BBF2ED6}"/>
+              </a:ext>
+            </a:extLst>
+          </p:cNvPr>
+          <p:cNvSpPr>
+            <a:spLocks noGrp="1"/>
+          </p:cNvSpPr>
+          <p:nvPr>
+            <p:ph idx="1"/>
+          </p:nvPr>
+        </p:nvSpPr>
+        <p:spPr/>
+        <p:txBody>
+          <a:bodyPr/>
+          <a:lstStyle/>
+          <a:p>
+            <a:pPr marL="0" indent="0">
+              <a:buNone/>
+            </a:pPr>
+            <a:r>
+              <a:rPr lang="en-US" dirty="0"/>
+              <a:t>Tasks:</a:t>
+            </a:r>
+          </a:p>
+          <a:p>
+            <a:pPr marL="457200" indent="-457200">
+              <a:buAutoNum type="arabicPeriod"/>
+            </a:pPr>
+            <a:r>
+              <a:rPr lang="en-US" dirty="0"/>
+              <a:t>Updated the books table in the database.</a:t>
+            </a:r>
+          </a:p>
+        </p:txBody>
+      </p:sp>
+    </p:spTree>
+    <p:extLst>
+      <p:ext uri="{BB962C8B-B14F-4D97-AF65-F5344CB8AC3E}">
+        <p14:creationId xmlns:p14="http://schemas.microsoft.com/office/powerpoint/2010/main" val="4275808717"/>
       </p:ext>
     </p:extLst>
   </p:cSld>

--- a/PowerPoint Slides/csc439_sprint2.pptx
+++ b/PowerPoint Slides/csc439_sprint2.pptx
@@ -15,7 +15,8 @@
     <p:sldId id="273" r:id="rId9"/>
     <p:sldId id="262" r:id="rId10"/>
     <p:sldId id="268" r:id="rId11"/>
-    <p:sldId id="263" r:id="rId12"/>
+    <p:sldId id="275" r:id="rId12"/>
+    <p:sldId id="274" r:id="rId13"/>
   </p:sldIdLst>
   <p:sldSz cx="12192000" cy="6858000"/>
   <p:notesSz cx="6858000" cy="9144000"/>
@@ -129,7 +130,8 @@
             <p14:sldId id="273"/>
             <p14:sldId id="262"/>
             <p14:sldId id="268"/>
-            <p14:sldId id="263"/>
+            <p14:sldId id="275"/>
+            <p14:sldId id="274"/>
           </p14:sldIdLst>
         </p14:section>
         <p14:section name="Untitled Section" id="{033F9596-4340-A24B-84BB-9527C275AEB5}">
@@ -314,7 +316,7 @@
             <a:fld id="{87DE6118-2437-4B30-8E3C-4D2BE6020583}" type="datetimeFigureOut">
               <a:rPr lang="en-US" dirty="0"/>
               <a:pPr/>
-              <a:t>9/23/19</a:t>
+              <a:t>9/23/2019</a:t>
             </a:fld>
             <a:endParaRPr lang="en-US" dirty="0"/>
           </a:p>
@@ -640,7 +642,7 @@
           <a:p>
             <a:fld id="{87DE6118-2437-4B30-8E3C-4D2BE6020583}" type="datetimeFigureOut">
               <a:rPr lang="en-US" dirty="0"/>
-              <a:t>9/23/19</a:t>
+              <a:t>9/23/2019</a:t>
             </a:fld>
             <a:endParaRPr lang="en-US" dirty="0"/>
           </a:p>
@@ -815,7 +817,7 @@
           <a:p>
             <a:fld id="{87DE6118-2437-4B30-8E3C-4D2BE6020583}" type="datetimeFigureOut">
               <a:rPr lang="en-US" dirty="0"/>
-              <a:t>9/23/19</a:t>
+              <a:t>9/23/2019</a:t>
             </a:fld>
             <a:endParaRPr lang="en-US" dirty="0"/>
           </a:p>
@@ -980,7 +982,7 @@
           <a:p>
             <a:fld id="{87DE6118-2437-4B30-8E3C-4D2BE6020583}" type="datetimeFigureOut">
               <a:rPr lang="en-US" dirty="0"/>
-              <a:t>9/23/19</a:t>
+              <a:t>9/23/2019</a:t>
             </a:fld>
             <a:endParaRPr lang="en-US" dirty="0"/>
           </a:p>
@@ -1253,7 +1255,7 @@
             <a:fld id="{87DE6118-2437-4B30-8E3C-4D2BE6020583}" type="datetimeFigureOut">
               <a:rPr lang="en-US" dirty="0"/>
               <a:pPr/>
-              <a:t>9/23/19</a:t>
+              <a:t>9/23/2019</a:t>
             </a:fld>
             <a:endParaRPr lang="en-US" dirty="0"/>
           </a:p>
@@ -1643,7 +1645,7 @@
           <a:p>
             <a:fld id="{87DE6118-2437-4B30-8E3C-4D2BE6020583}" type="datetimeFigureOut">
               <a:rPr lang="en-US" dirty="0"/>
-              <a:t>9/23/19</a:t>
+              <a:t>9/23/2019</a:t>
             </a:fld>
             <a:endParaRPr lang="en-US" dirty="0"/>
           </a:p>
@@ -2115,7 +2117,7 @@
           <a:p>
             <a:fld id="{87DE6118-2437-4B30-8E3C-4D2BE6020583}" type="datetimeFigureOut">
               <a:rPr lang="en-US" dirty="0"/>
-              <a:t>9/23/19</a:t>
+              <a:t>9/23/2019</a:t>
             </a:fld>
             <a:endParaRPr lang="en-US" dirty="0"/>
           </a:p>
@@ -2228,7 +2230,7 @@
           <a:p>
             <a:fld id="{87DE6118-2437-4B30-8E3C-4D2BE6020583}" type="datetimeFigureOut">
               <a:rPr lang="en-US" dirty="0"/>
-              <a:t>9/23/19</a:t>
+              <a:t>9/23/2019</a:t>
             </a:fld>
             <a:endParaRPr lang="en-US" dirty="0"/>
           </a:p>
@@ -2318,7 +2320,7 @@
           <a:p>
             <a:fld id="{87DE6118-2437-4B30-8E3C-4D2BE6020583}" type="datetimeFigureOut">
               <a:rPr lang="en-US" dirty="0"/>
-              <a:t>9/23/19</a:t>
+              <a:t>9/23/2019</a:t>
             </a:fld>
             <a:endParaRPr lang="en-US" dirty="0"/>
           </a:p>
@@ -2660,7 +2662,7 @@
             <a:fld id="{87DE6118-2437-4B30-8E3C-4D2BE6020583}" type="datetimeFigureOut">
               <a:rPr lang="en-US" dirty="0"/>
               <a:pPr/>
-              <a:t>9/23/19</a:t>
+              <a:t>9/23/2019</a:t>
             </a:fld>
             <a:endParaRPr lang="en-US" dirty="0"/>
           </a:p>
@@ -3045,7 +3047,7 @@
             <a:fld id="{87DE6118-2437-4B30-8E3C-4D2BE6020583}" type="datetimeFigureOut">
               <a:rPr lang="en-US" dirty="0"/>
               <a:pPr/>
-              <a:t>9/23/19</a:t>
+              <a:t>9/23/2019</a:t>
             </a:fld>
             <a:endParaRPr lang="en-US" dirty="0"/>
           </a:p>
@@ -3320,7 +3322,7 @@
             <a:fld id="{87DE6118-2437-4B30-8E3C-4D2BE6020583}" type="datetimeFigureOut">
               <a:rPr lang="en-US" dirty="0"/>
               <a:pPr/>
-              <a:t>9/23/19</a:t>
+              <a:t>9/23/2019</a:t>
             </a:fld>
             <a:endParaRPr lang="en-US" dirty="0"/>
           </a:p>
@@ -3912,7 +3914,7 @@
           <p:cNvPr id="2" name="Title 1">
             <a:extLst>
               <a:ext uri="{FF2B5EF4-FFF2-40B4-BE49-F238E27FC236}">
-                <a16:creationId xmlns:a16="http://schemas.microsoft.com/office/drawing/2014/main" xmlns="" id="{7313C04E-048C-4A6E-AE61-1AD4F0BCC42F}"/>
+                <a16:creationId xmlns:a16="http://schemas.microsoft.com/office/drawing/2014/main" id="{7313C04E-048C-4A6E-AE61-1AD4F0BCC42F}"/>
               </a:ext>
             </a:extLst>
           </p:cNvPr>
@@ -3940,7 +3942,7 @@
           <p:cNvPr id="3" name="Content Placeholder 2">
             <a:extLst>
               <a:ext uri="{FF2B5EF4-FFF2-40B4-BE49-F238E27FC236}">
-                <a16:creationId xmlns:a16="http://schemas.microsoft.com/office/drawing/2014/main" xmlns="" id="{1CC7617A-9BB1-41CF-A4CE-02FD091C153F}"/>
+                <a16:creationId xmlns:a16="http://schemas.microsoft.com/office/drawing/2014/main" id="{1CC7617A-9BB1-41CF-A4CE-02FD091C153F}"/>
               </a:ext>
             </a:extLst>
           </p:cNvPr>
@@ -4010,7 +4012,120 @@
           <p:cNvPr id="2" name="Title 1">
             <a:extLst>
               <a:ext uri="{FF2B5EF4-FFF2-40B4-BE49-F238E27FC236}">
-                <a16:creationId xmlns:a16="http://schemas.microsoft.com/office/drawing/2014/main" xmlns="" id="{31CB56F1-6918-DB4B-A9C3-59592D7804C5}"/>
+                <a16:creationId xmlns:a16="http://schemas.microsoft.com/office/drawing/2014/main" id="{B4DB9B26-1FC6-4919-8EBF-49D9E62E29EB}"/>
+              </a:ext>
+            </a:extLst>
+          </p:cNvPr>
+          <p:cNvSpPr>
+            <a:spLocks noGrp="1"/>
+          </p:cNvSpPr>
+          <p:nvPr>
+            <p:ph type="title"/>
+          </p:nvPr>
+        </p:nvSpPr>
+        <p:spPr/>
+        <p:txBody>
+          <a:bodyPr/>
+          <a:lstStyle/>
+          <a:p>
+            <a:r>
+              <a:rPr lang="en-US" dirty="0"/>
+              <a:t>Tester/Developer: </a:t>
+            </a:r>
+            <a:br>
+              <a:rPr lang="en-US" dirty="0"/>
+            </a:br>
+            <a:r>
+              <a:rPr lang="en-US" dirty="0"/>
+              <a:t>Josh McGuire </a:t>
+            </a:r>
+          </a:p>
+        </p:txBody>
+      </p:sp>
+      <p:sp>
+        <p:nvSpPr>
+          <p:cNvPr id="3" name="Content Placeholder 2">
+            <a:extLst>
+              <a:ext uri="{FF2B5EF4-FFF2-40B4-BE49-F238E27FC236}">
+                <a16:creationId xmlns:a16="http://schemas.microsoft.com/office/drawing/2014/main" id="{CDDE009F-4471-4F9C-BE83-99E8BEF18B8A}"/>
+              </a:ext>
+            </a:extLst>
+          </p:cNvPr>
+          <p:cNvSpPr>
+            <a:spLocks noGrp="1"/>
+          </p:cNvSpPr>
+          <p:nvPr>
+            <p:ph idx="1"/>
+          </p:nvPr>
+        </p:nvSpPr>
+        <p:spPr/>
+        <p:txBody>
+          <a:bodyPr/>
+          <a:lstStyle/>
+          <a:p>
+            <a:r>
+              <a:rPr lang="en-US" dirty="0"/>
+              <a:t>Fixed </a:t>
+            </a:r>
+            <a:r>
+              <a:rPr lang="en-US" dirty="0" err="1"/>
+              <a:t>descriptions.php</a:t>
+            </a:r>
+            <a:r>
+              <a:rPr lang="en-US" dirty="0"/>
+              <a:t> to properly display webpage instead of giving a html 500 error.</a:t>
+            </a:r>
+          </a:p>
+          <a:p>
+            <a:r>
+              <a:rPr lang="en-US" dirty="0"/>
+              <a:t>Displayed a price and  a description of books hard coded in.</a:t>
+            </a:r>
+          </a:p>
+          <a:p>
+            <a:r>
+              <a:rPr lang="en-US" dirty="0"/>
+              <a:t>To-do: Have descriptions be used by the data base and have SQL query the database for just book selected.</a:t>
+            </a:r>
+          </a:p>
+        </p:txBody>
+      </p:sp>
+    </p:spTree>
+    <p:extLst>
+      <p:ext uri="{BB962C8B-B14F-4D97-AF65-F5344CB8AC3E}">
+        <p14:creationId xmlns:p14="http://schemas.microsoft.com/office/powerpoint/2010/main" val="1468032336"/>
+      </p:ext>
+    </p:extLst>
+  </p:cSld>
+  <p:clrMapOvr>
+    <a:masterClrMapping/>
+  </p:clrMapOvr>
+</p:sld>
+</file>
+
+<file path=ppt/slides/slide12.xml><?xml version="1.0" encoding="utf-8"?>
+<p:sld xmlns:a="http://schemas.openxmlformats.org/drawingml/2006/main" xmlns:r="http://schemas.openxmlformats.org/officeDocument/2006/relationships" xmlns:p="http://schemas.openxmlformats.org/presentationml/2006/main">
+  <p:cSld>
+    <p:spTree>
+      <p:nvGrpSpPr>
+        <p:cNvPr id="1" name=""/>
+        <p:cNvGrpSpPr/>
+        <p:nvPr/>
+      </p:nvGrpSpPr>
+      <p:grpSpPr>
+        <a:xfrm>
+          <a:off x="0" y="0"/>
+          <a:ext cx="0" cy="0"/>
+          <a:chOff x="0" y="0"/>
+          <a:chExt cx="0" cy="0"/>
+        </a:xfrm>
+      </p:grpSpPr>
+      <p:sp>
+        <p:nvSpPr>
+          <p:cNvPr id="2" name="Title 1">
+            <a:extLst>
+              <a:ext uri="{FF2B5EF4-FFF2-40B4-BE49-F238E27FC236}">
+                <a16:creationId xmlns:a16="http://schemas.microsoft.com/office/drawing/2014/main" id="{862EB93D-412C-4317-A582-8CA7F9A92D18}"/>
               </a:ext>
             </a:extLst>
           </p:cNvPr>
@@ -4045,7 +4160,7 @@
           <p:cNvPr id="5" name="Picture 4">
             <a:extLst>
               <a:ext uri="{FF2B5EF4-FFF2-40B4-BE49-F238E27FC236}">
-                <a16:creationId xmlns:a16="http://schemas.microsoft.com/office/drawing/2014/main" xmlns="" id="{C3011F5F-E239-F64C-88CD-193484631C88}"/>
+                <a16:creationId xmlns:a16="http://schemas.microsoft.com/office/drawing/2014/main" id="{AB7B6608-EAF3-41D1-B37C-AB5FC11C4848}"/>
               </a:ext>
             </a:extLst>
           </p:cNvPr>
@@ -4062,8 +4177,40 @@
         </p:blipFill>
         <p:spPr>
           <a:xfrm>
-            <a:off x="2140780" y="1996778"/>
-            <a:ext cx="7910440" cy="4527589"/>
+            <a:off x="702155" y="2171700"/>
+            <a:ext cx="6631327" cy="4398818"/>
+          </a:xfrm>
+          <a:prstGeom prst="rect">
+            <a:avLst/>
+          </a:prstGeom>
+        </p:spPr>
+      </p:pic>
+      <p:pic>
+        <p:nvPicPr>
+          <p:cNvPr id="4" name="Content Placeholder 3">
+            <a:extLst>
+              <a:ext uri="{FF2B5EF4-FFF2-40B4-BE49-F238E27FC236}">
+                <a16:creationId xmlns:a16="http://schemas.microsoft.com/office/drawing/2014/main" id="{8F88EF33-1555-4FFA-BDB3-F83CD389F7C9}"/>
+              </a:ext>
+            </a:extLst>
+          </p:cNvPr>
+          <p:cNvPicPr>
+            <a:picLocks noGrp="1" noChangeAspect="1"/>
+          </p:cNvPicPr>
+          <p:nvPr>
+            <p:ph idx="1"/>
+          </p:nvPr>
+        </p:nvPicPr>
+        <p:blipFill>
+          <a:blip r:embed="rId3"/>
+          <a:stretch>
+            <a:fillRect/>
+          </a:stretch>
+        </p:blipFill>
+        <p:spPr>
+          <a:xfrm>
+            <a:off x="5281203" y="2039178"/>
+            <a:ext cx="6361042" cy="4398818"/>
           </a:xfrm>
           <a:prstGeom prst="rect">
             <a:avLst/>
@@ -4073,7 +4220,7 @@
     </p:spTree>
     <p:extLst>
       <p:ext uri="{BB962C8B-B14F-4D97-AF65-F5344CB8AC3E}">
-        <p14:creationId xmlns:p14="http://schemas.microsoft.com/office/powerpoint/2010/main" val="2879849410"/>
+        <p14:creationId xmlns:p14="http://schemas.microsoft.com/office/powerpoint/2010/main" val="1026269935"/>
       </p:ext>
     </p:extLst>
   </p:cSld>
@@ -4105,7 +4252,7 @@
           <p:cNvPr id="2" name="Title 1">
             <a:extLst>
               <a:ext uri="{FF2B5EF4-FFF2-40B4-BE49-F238E27FC236}">
-                <a16:creationId xmlns:a16="http://schemas.microsoft.com/office/drawing/2014/main" xmlns="" id="{D5B8DBA6-5930-4F64-9E50-6D88BF5212E6}"/>
+                <a16:creationId xmlns:a16="http://schemas.microsoft.com/office/drawing/2014/main" id="{D5B8DBA6-5930-4F64-9E50-6D88BF5212E6}"/>
               </a:ext>
             </a:extLst>
           </p:cNvPr>
@@ -4133,7 +4280,7 @@
           <p:cNvPr id="5" name="Content Placeholder 4">
             <a:extLst>
               <a:ext uri="{FF2B5EF4-FFF2-40B4-BE49-F238E27FC236}">
-                <a16:creationId xmlns:a16="http://schemas.microsoft.com/office/drawing/2014/main" xmlns="" id="{35CD1F56-2670-4450-BAFB-420167374AAC}"/>
+                <a16:creationId xmlns:a16="http://schemas.microsoft.com/office/drawing/2014/main" id="{35CD1F56-2670-4450-BAFB-420167374AAC}"/>
               </a:ext>
             </a:extLst>
           </p:cNvPr>
@@ -4200,7 +4347,7 @@
           <p:cNvPr id="2" name="Title 1">
             <a:extLst>
               <a:ext uri="{FF2B5EF4-FFF2-40B4-BE49-F238E27FC236}">
-                <a16:creationId xmlns:a16="http://schemas.microsoft.com/office/drawing/2014/main" xmlns="" id="{842CF84C-56E1-8440-8E13-CDC64C67D5A1}"/>
+                <a16:creationId xmlns:a16="http://schemas.microsoft.com/office/drawing/2014/main" id="{842CF84C-56E1-8440-8E13-CDC64C67D5A1}"/>
               </a:ext>
             </a:extLst>
           </p:cNvPr>
@@ -4235,7 +4382,7 @@
           <p:cNvPr id="8" name="TextBox 7">
             <a:extLst>
               <a:ext uri="{FF2B5EF4-FFF2-40B4-BE49-F238E27FC236}">
-                <a16:creationId xmlns:a16="http://schemas.microsoft.com/office/drawing/2014/main" xmlns="" id="{717F3DD7-F49F-584F-BB46-8F0B3B273B0A}"/>
+                <a16:creationId xmlns:a16="http://schemas.microsoft.com/office/drawing/2014/main" id="{717F3DD7-F49F-584F-BB46-8F0B3B273B0A}"/>
               </a:ext>
             </a:extLst>
           </p:cNvPr>
@@ -4354,7 +4501,7 @@
           <p:cNvPr id="11" name="Picture 10">
             <a:extLst>
               <a:ext uri="{FF2B5EF4-FFF2-40B4-BE49-F238E27FC236}">
-                <a16:creationId xmlns:a16="http://schemas.microsoft.com/office/drawing/2014/main" xmlns="" id="{5EB82535-4F3F-41B8-A240-7CCDFB18619E}"/>
+                <a16:creationId xmlns:a16="http://schemas.microsoft.com/office/drawing/2014/main" id="{5EB82535-4F3F-41B8-A240-7CCDFB18619E}"/>
               </a:ext>
             </a:extLst>
           </p:cNvPr>
@@ -4384,7 +4531,7 @@
           <p:cNvPr id="13" name="Picture 12">
             <a:extLst>
               <a:ext uri="{FF2B5EF4-FFF2-40B4-BE49-F238E27FC236}">
-                <a16:creationId xmlns:a16="http://schemas.microsoft.com/office/drawing/2014/main" xmlns="" id="{D1B8193F-A984-4702-9CEF-50D92E123AE6}"/>
+                <a16:creationId xmlns:a16="http://schemas.microsoft.com/office/drawing/2014/main" id="{D1B8193F-A984-4702-9CEF-50D92E123AE6}"/>
               </a:ext>
             </a:extLst>
           </p:cNvPr>
@@ -4444,7 +4591,7 @@
           <p:cNvPr id="2" name="Title 1">
             <a:extLst>
               <a:ext uri="{FF2B5EF4-FFF2-40B4-BE49-F238E27FC236}">
-                <a16:creationId xmlns:a16="http://schemas.microsoft.com/office/drawing/2014/main" xmlns="" id="{31CB56F1-6918-DB4B-A9C3-59592D7804C5}"/>
+                <a16:creationId xmlns:a16="http://schemas.microsoft.com/office/drawing/2014/main" id="{31CB56F1-6918-DB4B-A9C3-59592D7804C5}"/>
               </a:ext>
             </a:extLst>
           </p:cNvPr>
@@ -4477,7 +4624,7 @@
           <p:cNvPr id="9" name="TextBox 8">
             <a:extLst>
               <a:ext uri="{FF2B5EF4-FFF2-40B4-BE49-F238E27FC236}">
-                <a16:creationId xmlns:a16="http://schemas.microsoft.com/office/drawing/2014/main" xmlns="" id="{6DAD32DD-6273-4819-BAE6-A9943A4064A3}"/>
+                <a16:creationId xmlns:a16="http://schemas.microsoft.com/office/drawing/2014/main" id="{6DAD32DD-6273-4819-BAE6-A9943A4064A3}"/>
               </a:ext>
             </a:extLst>
           </p:cNvPr>
@@ -4512,7 +4659,7 @@
           <p:cNvPr id="14" name="Picture 13">
             <a:extLst>
               <a:ext uri="{FF2B5EF4-FFF2-40B4-BE49-F238E27FC236}">
-                <a16:creationId xmlns:a16="http://schemas.microsoft.com/office/drawing/2014/main" xmlns="" id="{F791FE43-A698-4413-8713-046ADB8C79FB}"/>
+                <a16:creationId xmlns:a16="http://schemas.microsoft.com/office/drawing/2014/main" id="{F791FE43-A698-4413-8713-046ADB8C79FB}"/>
               </a:ext>
             </a:extLst>
           </p:cNvPr>
@@ -4542,7 +4689,7 @@
           <p:cNvPr id="15" name="Picture 14">
             <a:extLst>
               <a:ext uri="{FF2B5EF4-FFF2-40B4-BE49-F238E27FC236}">
-                <a16:creationId xmlns:a16="http://schemas.microsoft.com/office/drawing/2014/main" xmlns="" id="{22942BBA-5F71-4422-A8B6-6517C7760436}"/>
+                <a16:creationId xmlns:a16="http://schemas.microsoft.com/office/drawing/2014/main" id="{22942BBA-5F71-4422-A8B6-6517C7760436}"/>
               </a:ext>
             </a:extLst>
           </p:cNvPr>
@@ -4734,12 +4881,8 @@
           <a:lstStyle/>
           <a:p>
             <a:r>
-              <a:rPr lang="en-US" dirty="0" smtClean="0"/>
-              <a:t>Tester/Developer: James </a:t>
-            </a:r>
-            <a:r>
-              <a:rPr lang="en-US" dirty="0"/>
-              <a:t>Craig</a:t>
+              <a:rPr lang="en-US" dirty="0"/>
+              <a:t>Tester/Developer: James Craig</a:t>
             </a:r>
           </a:p>
         </p:txBody>
@@ -4856,11 +4999,7 @@
           <a:p>
             <a:r>
               <a:rPr lang="en-US" sz="7200" dirty="0"/>
-              <a:t>Original </a:t>
-            </a:r>
-            <a:r>
-              <a:rPr lang="en-US" sz="7200" dirty="0" smtClean="0"/>
-              <a:t>CSS</a:t>
+              <a:t>Original CSS</a:t>
             </a:r>
           </a:p>
           <a:p>
@@ -5060,7 +5199,7 @@
             </a:r>
           </a:p>
           <a:p>
-            <a:endParaRPr lang="en-US" dirty="0" smtClean="0"/>
+            <a:endParaRPr lang="en-US" dirty="0"/>
           </a:p>
         </p:txBody>
       </p:sp>
@@ -5949,11 +6088,7 @@
           <a:p>
             <a:r>
               <a:rPr lang="en-US" dirty="0"/>
-              <a:t>Original code for the output of the </a:t>
-            </a:r>
-            <a:r>
-              <a:rPr lang="en-US" dirty="0" smtClean="0"/>
-              <a:t>table</a:t>
+              <a:t>Original code for the output of the table</a:t>
             </a:r>
           </a:p>
           <a:p>
@@ -6227,7 +6362,7 @@
           <p:cNvPr id="6" name="Content Placeholder 6">
             <a:extLst>
               <a:ext uri="{FF2B5EF4-FFF2-40B4-BE49-F238E27FC236}">
-                <a16:creationId xmlns:a16="http://schemas.microsoft.com/office/drawing/2014/main" xmlns="" id="{CA0B4A62-A56E-4D35-A2A7-7AD068A6A1AB}"/>
+                <a16:creationId xmlns:a16="http://schemas.microsoft.com/office/drawing/2014/main" id="{CA0B4A62-A56E-4D35-A2A7-7AD068A6A1AB}"/>
               </a:ext>
             </a:extLst>
           </p:cNvPr>
@@ -6718,7 +6853,7 @@
           <p:cNvPr id="5" name="Content Placeholder 19">
             <a:extLst>
               <a:ext uri="{FF2B5EF4-FFF2-40B4-BE49-F238E27FC236}">
-                <a16:creationId xmlns:a16="http://schemas.microsoft.com/office/drawing/2014/main" xmlns="" id="{D45D4471-3E30-4B3D-8BD4-31A1148DACE9}"/>
+                <a16:creationId xmlns:a16="http://schemas.microsoft.com/office/drawing/2014/main" id="{D45D4471-3E30-4B3D-8BD4-31A1148DACE9}"/>
               </a:ext>
             </a:extLst>
           </p:cNvPr>
@@ -6780,7 +6915,7 @@
           <p:cNvPr id="2" name="Title 1">
             <a:extLst>
               <a:ext uri="{FF2B5EF4-FFF2-40B4-BE49-F238E27FC236}">
-                <a16:creationId xmlns:a16="http://schemas.microsoft.com/office/drawing/2014/main" xmlns="" id="{31CB56F1-6918-DB4B-A9C3-59592D7804C5}"/>
+                <a16:creationId xmlns:a16="http://schemas.microsoft.com/office/drawing/2014/main" id="{31CB56F1-6918-DB4B-A9C3-59592D7804C5}"/>
               </a:ext>
             </a:extLst>
           </p:cNvPr>
@@ -6813,7 +6948,7 @@
           <p:cNvPr id="4" name="Content Placeholder 3">
             <a:extLst>
               <a:ext uri="{FF2B5EF4-FFF2-40B4-BE49-F238E27FC236}">
-                <a16:creationId xmlns:a16="http://schemas.microsoft.com/office/drawing/2014/main" xmlns="" id="{451F011C-BF31-499C-B4A0-ECC93BBF2ED6}"/>
+                <a16:creationId xmlns:a16="http://schemas.microsoft.com/office/drawing/2014/main" id="{451F011C-BF31-499C-B4A0-ECC93BBF2ED6}"/>
               </a:ext>
             </a:extLst>
           </p:cNvPr>
